--- a/_assets/suntemp-pre.pptx
+++ b/_assets/suntemp-pre.pptx
@@ -2,7 +2,7 @@
 <file path=ppt/presentation.xml><?xml version="1.0" encoding="utf-8"?>
 <p:presentation xmlns:a="http://schemas.openxmlformats.org/drawingml/2006/main" xmlns:r="http://schemas.openxmlformats.org/officeDocument/2006/relationships" xmlns:p="http://schemas.openxmlformats.org/presentationml/2006/main" saveSubsetFonts="1" autoCompressPictures="0">
   <p:sldMasterIdLst>
-    <p:sldMasterId id="2147483648" r:id="rId1"/>
+    <p:sldMasterId id="2147483678" r:id="rId1"/>
   </p:sldMasterIdLst>
   <p:notesMasterIdLst>
     <p:notesMasterId r:id="rId6"/>
@@ -211,7 +211,7 @@
           <a:p>
             <a:fld id="{0F9C1CCF-B725-44A7-AA57-5E433BD85C9F}" type="datetimeFigureOut">
               <a:rPr lang="en-US" smtClean="0"/>
-              <a:t>1/2/22</a:t>
+              <a:t>12/25/2025</a:t>
             </a:fld>
             <a:endParaRPr lang="en-US"/>
           </a:p>
@@ -686,7 +686,7 @@
 </file>
 
 <file path=ppt/slideLayouts/slideLayout1.xml><?xml version="1.0" encoding="utf-8"?>
-<p:sldLayout xmlns:a="http://schemas.openxmlformats.org/drawingml/2006/main" xmlns:r="http://schemas.openxmlformats.org/officeDocument/2006/relationships" xmlns:p="http://schemas.openxmlformats.org/presentationml/2006/main" type="title" preserve="1">
+<p:sldLayout xmlns:a="http://schemas.openxmlformats.org/drawingml/2006/main" xmlns:r="http://schemas.openxmlformats.org/officeDocument/2006/relationships" xmlns:p="http://schemas.openxmlformats.org/presentationml/2006/main" showMasterSp="0" type="title" preserve="1">
   <p:cSld name="Title Slide">
     <p:spTree>
       <p:nvGrpSpPr>
@@ -702,6 +702,536 @@
           <a:chExt cx="0" cy="0"/>
         </a:xfrm>
       </p:grpSpPr>
+      <p:grpSp>
+        <p:nvGrpSpPr>
+          <p:cNvPr id="7" name="Group 6"/>
+          <p:cNvGrpSpPr/>
+          <p:nvPr/>
+        </p:nvGrpSpPr>
+        <p:grpSpPr>
+          <a:xfrm>
+            <a:off x="0" y="-6350"/>
+            <a:ext cx="9144000" cy="5149850"/>
+            <a:chOff x="0" y="-8467"/>
+            <a:chExt cx="12192000" cy="6866467"/>
+          </a:xfrm>
+        </p:grpSpPr>
+        <p:cxnSp>
+          <p:nvCxnSpPr>
+            <p:cNvPr id="32" name="Straight Connector 31"/>
+            <p:cNvCxnSpPr/>
+            <p:nvPr/>
+          </p:nvCxnSpPr>
+          <p:spPr>
+            <a:xfrm>
+              <a:off x="9371012" y="0"/>
+              <a:ext cx="1219200" cy="6858000"/>
+            </a:xfrm>
+            <a:prstGeom prst="line">
+              <a:avLst/>
+            </a:prstGeom>
+            <a:ln w="9525">
+              <a:solidFill>
+                <a:schemeClr val="bg1">
+                  <a:lumMod val="75000"/>
+                </a:schemeClr>
+              </a:solidFill>
+            </a:ln>
+          </p:spPr>
+          <p:style>
+            <a:lnRef idx="2">
+              <a:schemeClr val="accent1"/>
+            </a:lnRef>
+            <a:fillRef idx="0">
+              <a:schemeClr val="accent1"/>
+            </a:fillRef>
+            <a:effectRef idx="1">
+              <a:schemeClr val="accent1"/>
+            </a:effectRef>
+            <a:fontRef idx="minor">
+              <a:schemeClr val="tx1"/>
+            </a:fontRef>
+          </p:style>
+        </p:cxnSp>
+        <p:cxnSp>
+          <p:nvCxnSpPr>
+            <p:cNvPr id="21" name="Straight Connector 20"/>
+            <p:cNvCxnSpPr/>
+            <p:nvPr/>
+          </p:nvCxnSpPr>
+          <p:spPr>
+            <a:xfrm flipH="1">
+              <a:off x="7425267" y="3681413"/>
+              <a:ext cx="4763558" cy="3176587"/>
+            </a:xfrm>
+            <a:prstGeom prst="line">
+              <a:avLst/>
+            </a:prstGeom>
+            <a:ln w="9525">
+              <a:solidFill>
+                <a:schemeClr val="bg1">
+                  <a:lumMod val="85000"/>
+                </a:schemeClr>
+              </a:solidFill>
+            </a:ln>
+          </p:spPr>
+          <p:style>
+            <a:lnRef idx="2">
+              <a:schemeClr val="accent1"/>
+            </a:lnRef>
+            <a:fillRef idx="0">
+              <a:schemeClr val="accent1"/>
+            </a:fillRef>
+            <a:effectRef idx="1">
+              <a:schemeClr val="accent1"/>
+            </a:effectRef>
+            <a:fontRef idx="minor">
+              <a:schemeClr val="tx1"/>
+            </a:fontRef>
+          </p:style>
+        </p:cxnSp>
+        <p:sp>
+          <p:nvSpPr>
+            <p:cNvPr id="24" name="Rectangle 23"/>
+            <p:cNvSpPr/>
+            <p:nvPr/>
+          </p:nvSpPr>
+          <p:spPr>
+            <a:xfrm>
+              <a:off x="9181476" y="-8467"/>
+              <a:ext cx="3007349" cy="6866467"/>
+            </a:xfrm>
+            <a:custGeom>
+              <a:avLst/>
+              <a:gdLst/>
+              <a:ahLst/>
+              <a:cxnLst/>
+              <a:rect l="l" t="t" r="r" b="b"/>
+              <a:pathLst>
+                <a:path w="3007349" h="6866467">
+                  <a:moveTo>
+                    <a:pt x="2045532" y="0"/>
+                  </a:moveTo>
+                  <a:lnTo>
+                    <a:pt x="3007349" y="0"/>
+                  </a:lnTo>
+                  <a:lnTo>
+                    <a:pt x="3007349" y="6866467"/>
+                  </a:lnTo>
+                  <a:lnTo>
+                    <a:pt x="0" y="6866467"/>
+                  </a:lnTo>
+                  <a:lnTo>
+                    <a:pt x="2045532" y="0"/>
+                  </a:lnTo>
+                  <a:close/>
+                </a:path>
+              </a:pathLst>
+            </a:custGeom>
+            <a:solidFill>
+              <a:schemeClr val="accent1">
+                <a:alpha val="30000"/>
+              </a:schemeClr>
+            </a:solidFill>
+            <a:ln>
+              <a:noFill/>
+            </a:ln>
+            <a:effectLst/>
+          </p:spPr>
+          <p:style>
+            <a:lnRef idx="1">
+              <a:schemeClr val="accent1"/>
+            </a:lnRef>
+            <a:fillRef idx="3">
+              <a:schemeClr val="accent1"/>
+            </a:fillRef>
+            <a:effectRef idx="2">
+              <a:schemeClr val="accent1"/>
+            </a:effectRef>
+            <a:fontRef idx="minor">
+              <a:schemeClr val="lt1"/>
+            </a:fontRef>
+          </p:style>
+        </p:sp>
+        <p:sp>
+          <p:nvSpPr>
+            <p:cNvPr id="26" name="Rectangle 25"/>
+            <p:cNvSpPr/>
+            <p:nvPr/>
+          </p:nvSpPr>
+          <p:spPr>
+            <a:xfrm>
+              <a:off x="9603442" y="-8467"/>
+              <a:ext cx="2588558" cy="6866467"/>
+            </a:xfrm>
+            <a:custGeom>
+              <a:avLst/>
+              <a:gdLst/>
+              <a:ahLst/>
+              <a:cxnLst/>
+              <a:rect l="l" t="t" r="r" b="b"/>
+              <a:pathLst>
+                <a:path w="2573311" h="6866467">
+                  <a:moveTo>
+                    <a:pt x="0" y="0"/>
+                  </a:moveTo>
+                  <a:lnTo>
+                    <a:pt x="2573311" y="0"/>
+                  </a:lnTo>
+                  <a:lnTo>
+                    <a:pt x="2573311" y="6866467"/>
+                  </a:lnTo>
+                  <a:lnTo>
+                    <a:pt x="1202336" y="6866467"/>
+                  </a:lnTo>
+                  <a:lnTo>
+                    <a:pt x="0" y="0"/>
+                  </a:lnTo>
+                  <a:close/>
+                </a:path>
+              </a:pathLst>
+            </a:custGeom>
+            <a:solidFill>
+              <a:schemeClr val="accent1">
+                <a:alpha val="20000"/>
+              </a:schemeClr>
+            </a:solidFill>
+            <a:ln>
+              <a:noFill/>
+            </a:ln>
+            <a:effectLst/>
+          </p:spPr>
+          <p:style>
+            <a:lnRef idx="1">
+              <a:schemeClr val="accent1"/>
+            </a:lnRef>
+            <a:fillRef idx="3">
+              <a:schemeClr val="accent1"/>
+            </a:fillRef>
+            <a:effectRef idx="2">
+              <a:schemeClr val="accent1"/>
+            </a:effectRef>
+            <a:fontRef idx="minor">
+              <a:schemeClr val="lt1"/>
+            </a:fontRef>
+          </p:style>
+        </p:sp>
+        <p:sp>
+          <p:nvSpPr>
+            <p:cNvPr id="27" name="Isosceles Triangle 26"/>
+            <p:cNvSpPr/>
+            <p:nvPr/>
+          </p:nvSpPr>
+          <p:spPr>
+            <a:xfrm>
+              <a:off x="8932333" y="3048000"/>
+              <a:ext cx="3259667" cy="3810000"/>
+            </a:xfrm>
+            <a:prstGeom prst="triangle">
+              <a:avLst>
+                <a:gd name="adj" fmla="val 100000"/>
+              </a:avLst>
+            </a:prstGeom>
+            <a:solidFill>
+              <a:schemeClr val="accent2">
+                <a:alpha val="72000"/>
+              </a:schemeClr>
+            </a:solidFill>
+            <a:ln>
+              <a:noFill/>
+            </a:ln>
+            <a:effectLst/>
+          </p:spPr>
+          <p:style>
+            <a:lnRef idx="1">
+              <a:schemeClr val="accent1"/>
+            </a:lnRef>
+            <a:fillRef idx="3">
+              <a:schemeClr val="accent1"/>
+            </a:fillRef>
+            <a:effectRef idx="2">
+              <a:schemeClr val="accent1"/>
+            </a:effectRef>
+            <a:fontRef idx="minor">
+              <a:schemeClr val="lt1"/>
+            </a:fontRef>
+          </p:style>
+        </p:sp>
+        <p:sp>
+          <p:nvSpPr>
+            <p:cNvPr id="28" name="Rectangle 27"/>
+            <p:cNvSpPr/>
+            <p:nvPr/>
+          </p:nvSpPr>
+          <p:spPr>
+            <a:xfrm>
+              <a:off x="9334500" y="-8467"/>
+              <a:ext cx="2854326" cy="6866467"/>
+            </a:xfrm>
+            <a:custGeom>
+              <a:avLst/>
+              <a:gdLst/>
+              <a:ahLst/>
+              <a:cxnLst/>
+              <a:rect l="l" t="t" r="r" b="b"/>
+              <a:pathLst>
+                <a:path w="2858013" h="6866467">
+                  <a:moveTo>
+                    <a:pt x="0" y="0"/>
+                  </a:moveTo>
+                  <a:lnTo>
+                    <a:pt x="2858013" y="0"/>
+                  </a:lnTo>
+                  <a:lnTo>
+                    <a:pt x="2858013" y="6866467"/>
+                  </a:lnTo>
+                  <a:lnTo>
+                    <a:pt x="2473942" y="6866467"/>
+                  </a:lnTo>
+                  <a:lnTo>
+                    <a:pt x="0" y="0"/>
+                  </a:lnTo>
+                  <a:close/>
+                </a:path>
+              </a:pathLst>
+            </a:custGeom>
+            <a:solidFill>
+              <a:schemeClr val="accent2">
+                <a:lumMod val="75000"/>
+                <a:alpha val="70000"/>
+              </a:schemeClr>
+            </a:solidFill>
+            <a:ln>
+              <a:noFill/>
+            </a:ln>
+            <a:effectLst/>
+          </p:spPr>
+          <p:style>
+            <a:lnRef idx="1">
+              <a:schemeClr val="accent1"/>
+            </a:lnRef>
+            <a:fillRef idx="3">
+              <a:schemeClr val="accent1"/>
+            </a:fillRef>
+            <a:effectRef idx="2">
+              <a:schemeClr val="accent1"/>
+            </a:effectRef>
+            <a:fontRef idx="minor">
+              <a:schemeClr val="lt1"/>
+            </a:fontRef>
+          </p:style>
+        </p:sp>
+        <p:sp>
+          <p:nvSpPr>
+            <p:cNvPr id="29" name="Rectangle 28"/>
+            <p:cNvSpPr/>
+            <p:nvPr/>
+          </p:nvSpPr>
+          <p:spPr>
+            <a:xfrm>
+              <a:off x="10898730" y="-8467"/>
+              <a:ext cx="1290094" cy="6866467"/>
+            </a:xfrm>
+            <a:custGeom>
+              <a:avLst/>
+              <a:gdLst/>
+              <a:ahLst/>
+              <a:cxnLst/>
+              <a:rect l="l" t="t" r="r" b="b"/>
+              <a:pathLst>
+                <a:path w="1290094" h="6858000">
+                  <a:moveTo>
+                    <a:pt x="1019735" y="0"/>
+                  </a:moveTo>
+                  <a:lnTo>
+                    <a:pt x="1290094" y="0"/>
+                  </a:lnTo>
+                  <a:lnTo>
+                    <a:pt x="1290094" y="6858000"/>
+                  </a:lnTo>
+                  <a:lnTo>
+                    <a:pt x="0" y="6858000"/>
+                  </a:lnTo>
+                  <a:lnTo>
+                    <a:pt x="1019735" y="0"/>
+                  </a:lnTo>
+                  <a:close/>
+                </a:path>
+              </a:pathLst>
+            </a:custGeom>
+            <a:solidFill>
+              <a:schemeClr val="accent1">
+                <a:lumMod val="60000"/>
+                <a:lumOff val="40000"/>
+                <a:alpha val="70000"/>
+              </a:schemeClr>
+            </a:solidFill>
+            <a:ln>
+              <a:noFill/>
+            </a:ln>
+            <a:effectLst/>
+          </p:spPr>
+          <p:style>
+            <a:lnRef idx="1">
+              <a:schemeClr val="accent1"/>
+            </a:lnRef>
+            <a:fillRef idx="3">
+              <a:schemeClr val="accent1"/>
+            </a:fillRef>
+            <a:effectRef idx="2">
+              <a:schemeClr val="accent1"/>
+            </a:effectRef>
+            <a:fontRef idx="minor">
+              <a:schemeClr val="lt1"/>
+            </a:fontRef>
+          </p:style>
+        </p:sp>
+        <p:sp>
+          <p:nvSpPr>
+            <p:cNvPr id="30" name="Rectangle 29"/>
+            <p:cNvSpPr/>
+            <p:nvPr/>
+          </p:nvSpPr>
+          <p:spPr>
+            <a:xfrm>
+              <a:off x="10938999" y="-8467"/>
+              <a:ext cx="1249825" cy="6866467"/>
+            </a:xfrm>
+            <a:custGeom>
+              <a:avLst/>
+              <a:gdLst/>
+              <a:ahLst/>
+              <a:cxnLst/>
+              <a:rect l="l" t="t" r="r" b="b"/>
+              <a:pathLst>
+                <a:path w="1249825" h="6858000">
+                  <a:moveTo>
+                    <a:pt x="0" y="0"/>
+                  </a:moveTo>
+                  <a:lnTo>
+                    <a:pt x="1249825" y="0"/>
+                  </a:lnTo>
+                  <a:lnTo>
+                    <a:pt x="1249825" y="6858000"/>
+                  </a:lnTo>
+                  <a:lnTo>
+                    <a:pt x="1109382" y="6858000"/>
+                  </a:lnTo>
+                  <a:lnTo>
+                    <a:pt x="0" y="0"/>
+                  </a:lnTo>
+                  <a:close/>
+                </a:path>
+              </a:pathLst>
+            </a:custGeom>
+            <a:solidFill>
+              <a:schemeClr val="accent1">
+                <a:alpha val="65000"/>
+              </a:schemeClr>
+            </a:solidFill>
+            <a:ln>
+              <a:noFill/>
+            </a:ln>
+            <a:effectLst/>
+          </p:spPr>
+          <p:style>
+            <a:lnRef idx="1">
+              <a:schemeClr val="accent1"/>
+            </a:lnRef>
+            <a:fillRef idx="3">
+              <a:schemeClr val="accent1"/>
+            </a:fillRef>
+            <a:effectRef idx="2">
+              <a:schemeClr val="accent1"/>
+            </a:effectRef>
+            <a:fontRef idx="minor">
+              <a:schemeClr val="lt1"/>
+            </a:fontRef>
+          </p:style>
+        </p:sp>
+        <p:sp>
+          <p:nvSpPr>
+            <p:cNvPr id="31" name="Isosceles Triangle 30"/>
+            <p:cNvSpPr/>
+            <p:nvPr/>
+          </p:nvSpPr>
+          <p:spPr>
+            <a:xfrm>
+              <a:off x="10371666" y="3589867"/>
+              <a:ext cx="1817159" cy="3268133"/>
+            </a:xfrm>
+            <a:prstGeom prst="triangle">
+              <a:avLst>
+                <a:gd name="adj" fmla="val 100000"/>
+              </a:avLst>
+            </a:prstGeom>
+            <a:solidFill>
+              <a:schemeClr val="accent1">
+                <a:alpha val="80000"/>
+              </a:schemeClr>
+            </a:solidFill>
+            <a:ln>
+              <a:noFill/>
+            </a:ln>
+            <a:effectLst/>
+          </p:spPr>
+          <p:style>
+            <a:lnRef idx="1">
+              <a:schemeClr val="accent1"/>
+            </a:lnRef>
+            <a:fillRef idx="3">
+              <a:schemeClr val="accent1"/>
+            </a:fillRef>
+            <a:effectRef idx="2">
+              <a:schemeClr val="accent1"/>
+            </a:effectRef>
+            <a:fontRef idx="minor">
+              <a:schemeClr val="lt1"/>
+            </a:fontRef>
+          </p:style>
+        </p:sp>
+        <p:sp>
+          <p:nvSpPr>
+            <p:cNvPr id="19" name="Isosceles Triangle 18"/>
+            <p:cNvSpPr/>
+            <p:nvPr/>
+          </p:nvSpPr>
+          <p:spPr>
+            <a:xfrm rot="10800000">
+              <a:off x="0" y="0"/>
+              <a:ext cx="842596" cy="5666154"/>
+            </a:xfrm>
+            <a:prstGeom prst="triangle">
+              <a:avLst>
+                <a:gd name="adj" fmla="val 100000"/>
+              </a:avLst>
+            </a:prstGeom>
+            <a:solidFill>
+              <a:schemeClr val="accent1">
+                <a:alpha val="85000"/>
+              </a:schemeClr>
+            </a:solidFill>
+            <a:ln>
+              <a:noFill/>
+            </a:ln>
+            <a:effectLst/>
+          </p:spPr>
+          <p:style>
+            <a:lnRef idx="1">
+              <a:schemeClr val="accent1"/>
+            </a:lnRef>
+            <a:fillRef idx="3">
+              <a:schemeClr val="accent1"/>
+            </a:fillRef>
+            <a:effectRef idx="2">
+              <a:schemeClr val="accent1"/>
+            </a:effectRef>
+            <a:fontRef idx="minor">
+              <a:schemeClr val="lt1"/>
+            </a:fontRef>
+          </p:style>
+        </p:sp>
+      </p:grpSp>
       <p:sp>
         <p:nvSpPr>
           <p:cNvPr id="2" name="Title 1"/>
@@ -714,18 +1244,29 @@
         </p:nvSpPr>
         <p:spPr>
           <a:xfrm>
-            <a:off x="685800" y="1597819"/>
-            <a:ext cx="7772400" cy="1102519"/>
+            <a:off x="1130300" y="1803400"/>
+            <a:ext cx="5825202" cy="1234727"/>
           </a:xfrm>
         </p:spPr>
         <p:txBody>
-          <a:bodyPr/>
-          <a:lstStyle/>
-          <a:p>
-            <a:r>
-              <a:rPr lang="en-US"/>
+          <a:bodyPr anchor="b">
+            <a:noAutofit/>
+          </a:bodyPr>
+          <a:lstStyle>
+            <a:lvl1pPr algn="r">
+              <a:defRPr sz="4050">
+                <a:solidFill>
+                  <a:schemeClr val="accent1"/>
+                </a:solidFill>
+              </a:defRPr>
+            </a:lvl1pPr>
+          </a:lstStyle>
+          <a:p>
+            <a:r>
+              <a:rPr lang="en-US" altLang="zh-CN"/>
               <a:t>Click to edit Master title style</a:t>
             </a:r>
+            <a:endParaRPr lang="en-US" dirty="0"/>
           </a:p>
         </p:txBody>
       </p:sp>
@@ -741,19 +1282,20 @@
         </p:nvSpPr>
         <p:spPr>
           <a:xfrm>
-            <a:off x="1371600" y="2914650"/>
-            <a:ext cx="6400800" cy="1314450"/>
+            <a:off x="1130300" y="3038125"/>
+            <a:ext cx="5825202" cy="822674"/>
           </a:xfrm>
         </p:spPr>
         <p:txBody>
-          <a:bodyPr/>
+          <a:bodyPr anchor="t"/>
           <a:lstStyle>
-            <a:lvl1pPr marL="0" indent="0" algn="ctr">
+            <a:lvl1pPr marL="0" indent="0" algn="r">
               <a:buNone/>
               <a:defRPr>
                 <a:solidFill>
                   <a:schemeClr val="tx1">
-                    <a:tint val="75000"/>
+                    <a:lumMod val="50000"/>
+                    <a:lumOff val="50000"/>
                   </a:schemeClr>
                 </a:solidFill>
               </a:defRPr>
@@ -841,9 +1383,10 @@
           </a:lstStyle>
           <a:p>
             <a:r>
-              <a:rPr lang="en-US"/>
+              <a:rPr lang="en-US" altLang="zh-CN"/>
               <a:t>Click to edit Master subtitle style</a:t>
             </a:r>
+            <a:endParaRPr lang="en-US" dirty="0"/>
           </a:p>
         </p:txBody>
       </p:sp>
@@ -864,7 +1407,7 @@
           <a:p>
             <a:fld id="{241EB5C9-1307-BA42-ABA2-0BC069CD8E7F}" type="datetimeFigureOut">
               <a:rPr lang="en-US" smtClean="0"/>
-              <a:t>1/2/22</a:t>
+              <a:t>12/25/2025</a:t>
             </a:fld>
             <a:endParaRPr lang="en-US"/>
           </a:p>
@@ -915,7 +1458,270 @@
     </p:spTree>
     <p:extLst>
       <p:ext uri="{BB962C8B-B14F-4D97-AF65-F5344CB8AC3E}">
-        <p14:creationId xmlns:p14="http://schemas.microsoft.com/office/powerpoint/2010/main" val="1444357513"/>
+        <p14:creationId xmlns:p14="http://schemas.microsoft.com/office/powerpoint/2010/main" val="239926993"/>
+      </p:ext>
+    </p:extLst>
+  </p:cSld>
+  <p:clrMapOvr>
+    <a:masterClrMapping/>
+  </p:clrMapOvr>
+  <mc:AlternateContent xmlns:mc="http://schemas.openxmlformats.org/markup-compatibility/2006" xmlns:p14="http://schemas.microsoft.com/office/powerpoint/2010/main">
+    <mc:Choice Requires="p14">
+      <p:transition spd="slow" p14:dur="3000">
+        <p14:reveal/>
+      </p:transition>
+    </mc:Choice>
+    <mc:Fallback xmlns="">
+      <p:transition spd="slow">
+        <p:fade/>
+      </p:transition>
+    </mc:Fallback>
+  </mc:AlternateContent>
+</p:sldLayout>
+</file>
+
+<file path=ppt/slideLayouts/slideLayout10.xml><?xml version="1.0" encoding="utf-8"?>
+<p:sldLayout xmlns:a="http://schemas.openxmlformats.org/drawingml/2006/main" xmlns:r="http://schemas.openxmlformats.org/officeDocument/2006/relationships" xmlns:p="http://schemas.openxmlformats.org/presentationml/2006/main" preserve="1">
+  <p:cSld name="Title and Caption">
+    <p:spTree>
+      <p:nvGrpSpPr>
+        <p:cNvPr id="1" name=""/>
+        <p:cNvGrpSpPr/>
+        <p:nvPr/>
+      </p:nvGrpSpPr>
+      <p:grpSpPr>
+        <a:xfrm>
+          <a:off x="0" y="0"/>
+          <a:ext cx="0" cy="0"/>
+          <a:chOff x="0" y="0"/>
+          <a:chExt cx="0" cy="0"/>
+        </a:xfrm>
+      </p:grpSpPr>
+      <p:sp>
+        <p:nvSpPr>
+          <p:cNvPr id="2" name="Title 1"/>
+          <p:cNvSpPr>
+            <a:spLocks noGrp="1"/>
+          </p:cNvSpPr>
+          <p:nvPr>
+            <p:ph type="title"/>
+          </p:nvPr>
+        </p:nvSpPr>
+        <p:spPr>
+          <a:xfrm>
+            <a:off x="508001" y="457200"/>
+            <a:ext cx="6447501" cy="2552700"/>
+          </a:xfrm>
+        </p:spPr>
+        <p:txBody>
+          <a:bodyPr anchor="ctr">
+            <a:normAutofit/>
+          </a:bodyPr>
+          <a:lstStyle>
+            <a:lvl1pPr algn="l">
+              <a:defRPr sz="3300" b="0" cap="none"/>
+            </a:lvl1pPr>
+          </a:lstStyle>
+          <a:p>
+            <a:r>
+              <a:rPr lang="en-US" altLang="zh-CN"/>
+              <a:t>Click to edit Master title style</a:t>
+            </a:r>
+            <a:endParaRPr lang="en-US" dirty="0"/>
+          </a:p>
+        </p:txBody>
+      </p:sp>
+      <p:sp>
+        <p:nvSpPr>
+          <p:cNvPr id="3" name="Text Placeholder 2"/>
+          <p:cNvSpPr>
+            <a:spLocks noGrp="1"/>
+          </p:cNvSpPr>
+          <p:nvPr>
+            <p:ph type="body" idx="1"/>
+          </p:nvPr>
+        </p:nvSpPr>
+        <p:spPr>
+          <a:xfrm>
+            <a:off x="508001" y="3352800"/>
+            <a:ext cx="6447501" cy="1178222"/>
+          </a:xfrm>
+        </p:spPr>
+        <p:txBody>
+          <a:bodyPr anchor="ctr">
+            <a:normAutofit/>
+          </a:bodyPr>
+          <a:lstStyle>
+            <a:lvl1pPr marL="0" indent="0" algn="l">
+              <a:buNone/>
+              <a:defRPr sz="1350">
+                <a:solidFill>
+                  <a:schemeClr val="tx1">
+                    <a:lumMod val="75000"/>
+                    <a:lumOff val="25000"/>
+                  </a:schemeClr>
+                </a:solidFill>
+              </a:defRPr>
+            </a:lvl1pPr>
+            <a:lvl2pPr marL="342900" indent="0">
+              <a:buNone/>
+              <a:defRPr sz="1350">
+                <a:solidFill>
+                  <a:schemeClr val="tx1">
+                    <a:tint val="75000"/>
+                  </a:schemeClr>
+                </a:solidFill>
+              </a:defRPr>
+            </a:lvl2pPr>
+            <a:lvl3pPr marL="685800" indent="0">
+              <a:buNone/>
+              <a:defRPr sz="1200">
+                <a:solidFill>
+                  <a:schemeClr val="tx1">
+                    <a:tint val="75000"/>
+                  </a:schemeClr>
+                </a:solidFill>
+              </a:defRPr>
+            </a:lvl3pPr>
+            <a:lvl4pPr marL="1028700" indent="0">
+              <a:buNone/>
+              <a:defRPr sz="1050">
+                <a:solidFill>
+                  <a:schemeClr val="tx1">
+                    <a:tint val="75000"/>
+                  </a:schemeClr>
+                </a:solidFill>
+              </a:defRPr>
+            </a:lvl4pPr>
+            <a:lvl5pPr marL="1371600" indent="0">
+              <a:buNone/>
+              <a:defRPr sz="1050">
+                <a:solidFill>
+                  <a:schemeClr val="tx1">
+                    <a:tint val="75000"/>
+                  </a:schemeClr>
+                </a:solidFill>
+              </a:defRPr>
+            </a:lvl5pPr>
+            <a:lvl6pPr marL="1714500" indent="0">
+              <a:buNone/>
+              <a:defRPr sz="1050">
+                <a:solidFill>
+                  <a:schemeClr val="tx1">
+                    <a:tint val="75000"/>
+                  </a:schemeClr>
+                </a:solidFill>
+              </a:defRPr>
+            </a:lvl6pPr>
+            <a:lvl7pPr marL="2057400" indent="0">
+              <a:buNone/>
+              <a:defRPr sz="1050">
+                <a:solidFill>
+                  <a:schemeClr val="tx1">
+                    <a:tint val="75000"/>
+                  </a:schemeClr>
+                </a:solidFill>
+              </a:defRPr>
+            </a:lvl7pPr>
+            <a:lvl8pPr marL="2400300" indent="0">
+              <a:buNone/>
+              <a:defRPr sz="1050">
+                <a:solidFill>
+                  <a:schemeClr val="tx1">
+                    <a:tint val="75000"/>
+                  </a:schemeClr>
+                </a:solidFill>
+              </a:defRPr>
+            </a:lvl8pPr>
+            <a:lvl9pPr marL="2743200" indent="0">
+              <a:buNone/>
+              <a:defRPr sz="1050">
+                <a:solidFill>
+                  <a:schemeClr val="tx1">
+                    <a:tint val="75000"/>
+                  </a:schemeClr>
+                </a:solidFill>
+              </a:defRPr>
+            </a:lvl9pPr>
+          </a:lstStyle>
+          <a:p>
+            <a:pPr lvl="0"/>
+            <a:r>
+              <a:rPr lang="en-US" altLang="zh-CN"/>
+              <a:t>Click to edit Master text styles</a:t>
+            </a:r>
+          </a:p>
+        </p:txBody>
+      </p:sp>
+      <p:sp>
+        <p:nvSpPr>
+          <p:cNvPr id="4" name="Date Placeholder 3"/>
+          <p:cNvSpPr>
+            <a:spLocks noGrp="1"/>
+          </p:cNvSpPr>
+          <p:nvPr>
+            <p:ph type="dt" sz="half" idx="10"/>
+          </p:nvPr>
+        </p:nvSpPr>
+        <p:spPr/>
+        <p:txBody>
+          <a:bodyPr/>
+          <a:lstStyle/>
+          <a:p>
+            <a:fld id="{241EB5C9-1307-BA42-ABA2-0BC069CD8E7F}" type="datetimeFigureOut">
+              <a:rPr lang="en-US" smtClean="0"/>
+              <a:t>12/25/2025</a:t>
+            </a:fld>
+            <a:endParaRPr lang="en-US"/>
+          </a:p>
+        </p:txBody>
+      </p:sp>
+      <p:sp>
+        <p:nvSpPr>
+          <p:cNvPr id="5" name="Footer Placeholder 4"/>
+          <p:cNvSpPr>
+            <a:spLocks noGrp="1"/>
+          </p:cNvSpPr>
+          <p:nvPr>
+            <p:ph type="ftr" sz="quarter" idx="11"/>
+          </p:nvPr>
+        </p:nvSpPr>
+        <p:spPr/>
+        <p:txBody>
+          <a:bodyPr/>
+          <a:lstStyle/>
+          <a:p>
+            <a:endParaRPr lang="en-US"/>
+          </a:p>
+        </p:txBody>
+      </p:sp>
+      <p:sp>
+        <p:nvSpPr>
+          <p:cNvPr id="6" name="Slide Number Placeholder 5"/>
+          <p:cNvSpPr>
+            <a:spLocks noGrp="1"/>
+          </p:cNvSpPr>
+          <p:nvPr>
+            <p:ph type="sldNum" sz="quarter" idx="12"/>
+          </p:nvPr>
+        </p:nvSpPr>
+        <p:spPr/>
+        <p:txBody>
+          <a:bodyPr/>
+          <a:lstStyle/>
+          <a:p>
+            <a:fld id="{C5EF2332-01BF-834F-8236-50238282D533}" type="slidenum">
+              <a:rPr lang="en-US" smtClean="0"/>
+              <a:t>‹#›</a:t>
+            </a:fld>
+            <a:endParaRPr lang="en-US"/>
+          </a:p>
+        </p:txBody>
+      </p:sp>
+    </p:spTree>
+    <p:extLst>
+      <p:ext uri="{BB962C8B-B14F-4D97-AF65-F5344CB8AC3E}">
+        <p14:creationId xmlns:p14="http://schemas.microsoft.com/office/powerpoint/2010/main" val="3563177836"/>
       </p:ext>
     </p:extLst>
   </p:cSld>
@@ -925,7 +1731,1369 @@
 </p:sldLayout>
 </file>
 
-<file path=ppt/slideLayouts/slideLayout10.xml><?xml version="1.0" encoding="utf-8"?>
+<file path=ppt/slideLayouts/slideLayout11.xml><?xml version="1.0" encoding="utf-8"?>
+<p:sldLayout xmlns:a="http://schemas.openxmlformats.org/drawingml/2006/main" xmlns:r="http://schemas.openxmlformats.org/officeDocument/2006/relationships" xmlns:p="http://schemas.openxmlformats.org/presentationml/2006/main" preserve="1">
+  <p:cSld name="Quote with Caption">
+    <p:spTree>
+      <p:nvGrpSpPr>
+        <p:cNvPr id="1" name=""/>
+        <p:cNvGrpSpPr/>
+        <p:nvPr/>
+      </p:nvGrpSpPr>
+      <p:grpSpPr>
+        <a:xfrm>
+          <a:off x="0" y="0"/>
+          <a:ext cx="0" cy="0"/>
+          <a:chOff x="0" y="0"/>
+          <a:chExt cx="0" cy="0"/>
+        </a:xfrm>
+      </p:grpSpPr>
+      <p:sp>
+        <p:nvSpPr>
+          <p:cNvPr id="2" name="Title 1"/>
+          <p:cNvSpPr>
+            <a:spLocks noGrp="1"/>
+          </p:cNvSpPr>
+          <p:nvPr>
+            <p:ph type="title"/>
+          </p:nvPr>
+        </p:nvSpPr>
+        <p:spPr>
+          <a:xfrm>
+            <a:off x="698500" y="457200"/>
+            <a:ext cx="6070601" cy="2266950"/>
+          </a:xfrm>
+        </p:spPr>
+        <p:txBody>
+          <a:bodyPr anchor="ctr">
+            <a:normAutofit/>
+          </a:bodyPr>
+          <a:lstStyle>
+            <a:lvl1pPr algn="l">
+              <a:defRPr sz="3300" b="0" cap="none"/>
+            </a:lvl1pPr>
+          </a:lstStyle>
+          <a:p>
+            <a:r>
+              <a:rPr lang="en-US" altLang="zh-CN"/>
+              <a:t>Click to edit Master title style</a:t>
+            </a:r>
+            <a:endParaRPr lang="en-US" dirty="0"/>
+          </a:p>
+        </p:txBody>
+      </p:sp>
+      <p:sp>
+        <p:nvSpPr>
+          <p:cNvPr id="23" name="Text Placeholder 9"/>
+          <p:cNvSpPr>
+            <a:spLocks noGrp="1"/>
+          </p:cNvSpPr>
+          <p:nvPr>
+            <p:ph type="body" sz="quarter" idx="13"/>
+          </p:nvPr>
+        </p:nvSpPr>
+        <p:spPr>
+          <a:xfrm>
+            <a:off x="1024604" y="2724150"/>
+            <a:ext cx="5418393" cy="285750"/>
+          </a:xfrm>
+        </p:spPr>
+        <p:txBody>
+          <a:bodyPr anchor="ctr">
+            <a:noAutofit/>
+          </a:bodyPr>
+          <a:lstStyle>
+            <a:lvl1pPr marL="0" indent="0">
+              <a:buFontTx/>
+              <a:buNone/>
+              <a:defRPr sz="1200">
+                <a:solidFill>
+                  <a:schemeClr val="tx1">
+                    <a:lumMod val="50000"/>
+                    <a:lumOff val="50000"/>
+                  </a:schemeClr>
+                </a:solidFill>
+              </a:defRPr>
+            </a:lvl1pPr>
+            <a:lvl2pPr marL="342900" indent="0">
+              <a:buFontTx/>
+              <a:buNone/>
+              <a:defRPr/>
+            </a:lvl2pPr>
+            <a:lvl3pPr marL="685800" indent="0">
+              <a:buFontTx/>
+              <a:buNone/>
+              <a:defRPr/>
+            </a:lvl3pPr>
+            <a:lvl4pPr marL="1028700" indent="0">
+              <a:buFontTx/>
+              <a:buNone/>
+              <a:defRPr/>
+            </a:lvl4pPr>
+            <a:lvl5pPr marL="1371600" indent="0">
+              <a:buFontTx/>
+              <a:buNone/>
+              <a:defRPr/>
+            </a:lvl5pPr>
+          </a:lstStyle>
+          <a:p>
+            <a:pPr lvl="0"/>
+            <a:r>
+              <a:rPr lang="en-US" altLang="zh-CN"/>
+              <a:t>Click to edit Master text styles</a:t>
+            </a:r>
+          </a:p>
+        </p:txBody>
+      </p:sp>
+      <p:sp>
+        <p:nvSpPr>
+          <p:cNvPr id="3" name="Text Placeholder 2"/>
+          <p:cNvSpPr>
+            <a:spLocks noGrp="1"/>
+          </p:cNvSpPr>
+          <p:nvPr>
+            <p:ph type="body" idx="1"/>
+          </p:nvPr>
+        </p:nvSpPr>
+        <p:spPr>
+          <a:xfrm>
+            <a:off x="508001" y="3352800"/>
+            <a:ext cx="6447501" cy="1178222"/>
+          </a:xfrm>
+        </p:spPr>
+        <p:txBody>
+          <a:bodyPr anchor="ctr">
+            <a:normAutofit/>
+          </a:bodyPr>
+          <a:lstStyle>
+            <a:lvl1pPr marL="0" indent="0" algn="l">
+              <a:buNone/>
+              <a:defRPr sz="1350">
+                <a:solidFill>
+                  <a:schemeClr val="tx1">
+                    <a:lumMod val="75000"/>
+                    <a:lumOff val="25000"/>
+                  </a:schemeClr>
+                </a:solidFill>
+              </a:defRPr>
+            </a:lvl1pPr>
+            <a:lvl2pPr marL="342900" indent="0">
+              <a:buNone/>
+              <a:defRPr sz="1350">
+                <a:solidFill>
+                  <a:schemeClr val="tx1">
+                    <a:tint val="75000"/>
+                  </a:schemeClr>
+                </a:solidFill>
+              </a:defRPr>
+            </a:lvl2pPr>
+            <a:lvl3pPr marL="685800" indent="0">
+              <a:buNone/>
+              <a:defRPr sz="1200">
+                <a:solidFill>
+                  <a:schemeClr val="tx1">
+                    <a:tint val="75000"/>
+                  </a:schemeClr>
+                </a:solidFill>
+              </a:defRPr>
+            </a:lvl3pPr>
+            <a:lvl4pPr marL="1028700" indent="0">
+              <a:buNone/>
+              <a:defRPr sz="1050">
+                <a:solidFill>
+                  <a:schemeClr val="tx1">
+                    <a:tint val="75000"/>
+                  </a:schemeClr>
+                </a:solidFill>
+              </a:defRPr>
+            </a:lvl4pPr>
+            <a:lvl5pPr marL="1371600" indent="0">
+              <a:buNone/>
+              <a:defRPr sz="1050">
+                <a:solidFill>
+                  <a:schemeClr val="tx1">
+                    <a:tint val="75000"/>
+                  </a:schemeClr>
+                </a:solidFill>
+              </a:defRPr>
+            </a:lvl5pPr>
+            <a:lvl6pPr marL="1714500" indent="0">
+              <a:buNone/>
+              <a:defRPr sz="1050">
+                <a:solidFill>
+                  <a:schemeClr val="tx1">
+                    <a:tint val="75000"/>
+                  </a:schemeClr>
+                </a:solidFill>
+              </a:defRPr>
+            </a:lvl6pPr>
+            <a:lvl7pPr marL="2057400" indent="0">
+              <a:buNone/>
+              <a:defRPr sz="1050">
+                <a:solidFill>
+                  <a:schemeClr val="tx1">
+                    <a:tint val="75000"/>
+                  </a:schemeClr>
+                </a:solidFill>
+              </a:defRPr>
+            </a:lvl7pPr>
+            <a:lvl8pPr marL="2400300" indent="0">
+              <a:buNone/>
+              <a:defRPr sz="1050">
+                <a:solidFill>
+                  <a:schemeClr val="tx1">
+                    <a:tint val="75000"/>
+                  </a:schemeClr>
+                </a:solidFill>
+              </a:defRPr>
+            </a:lvl8pPr>
+            <a:lvl9pPr marL="2743200" indent="0">
+              <a:buNone/>
+              <a:defRPr sz="1050">
+                <a:solidFill>
+                  <a:schemeClr val="tx1">
+                    <a:tint val="75000"/>
+                  </a:schemeClr>
+                </a:solidFill>
+              </a:defRPr>
+            </a:lvl9pPr>
+          </a:lstStyle>
+          <a:p>
+            <a:pPr lvl="0"/>
+            <a:r>
+              <a:rPr lang="en-US" altLang="zh-CN"/>
+              <a:t>Click to edit Master text styles</a:t>
+            </a:r>
+          </a:p>
+        </p:txBody>
+      </p:sp>
+      <p:sp>
+        <p:nvSpPr>
+          <p:cNvPr id="4" name="Date Placeholder 3"/>
+          <p:cNvSpPr>
+            <a:spLocks noGrp="1"/>
+          </p:cNvSpPr>
+          <p:nvPr>
+            <p:ph type="dt" sz="half" idx="10"/>
+          </p:nvPr>
+        </p:nvSpPr>
+        <p:spPr/>
+        <p:txBody>
+          <a:bodyPr/>
+          <a:lstStyle/>
+          <a:p>
+            <a:fld id="{241EB5C9-1307-BA42-ABA2-0BC069CD8E7F}" type="datetimeFigureOut">
+              <a:rPr lang="en-US" smtClean="0"/>
+              <a:t>12/25/2025</a:t>
+            </a:fld>
+            <a:endParaRPr lang="en-US"/>
+          </a:p>
+        </p:txBody>
+      </p:sp>
+      <p:sp>
+        <p:nvSpPr>
+          <p:cNvPr id="5" name="Footer Placeholder 4"/>
+          <p:cNvSpPr>
+            <a:spLocks noGrp="1"/>
+          </p:cNvSpPr>
+          <p:nvPr>
+            <p:ph type="ftr" sz="quarter" idx="11"/>
+          </p:nvPr>
+        </p:nvSpPr>
+        <p:spPr/>
+        <p:txBody>
+          <a:bodyPr/>
+          <a:lstStyle/>
+          <a:p>
+            <a:endParaRPr lang="en-US"/>
+          </a:p>
+        </p:txBody>
+      </p:sp>
+      <p:sp>
+        <p:nvSpPr>
+          <p:cNvPr id="6" name="Slide Number Placeholder 5"/>
+          <p:cNvSpPr>
+            <a:spLocks noGrp="1"/>
+          </p:cNvSpPr>
+          <p:nvPr>
+            <p:ph type="sldNum" sz="quarter" idx="12"/>
+          </p:nvPr>
+        </p:nvSpPr>
+        <p:spPr/>
+        <p:txBody>
+          <a:bodyPr/>
+          <a:lstStyle/>
+          <a:p>
+            <a:fld id="{C5EF2332-01BF-834F-8236-50238282D533}" type="slidenum">
+              <a:rPr lang="en-US" smtClean="0"/>
+              <a:t>‹#›</a:t>
+            </a:fld>
+            <a:endParaRPr lang="en-US"/>
+          </a:p>
+        </p:txBody>
+      </p:sp>
+      <p:sp>
+        <p:nvSpPr>
+          <p:cNvPr id="20" name="TextBox 19"/>
+          <p:cNvSpPr txBox="1"/>
+          <p:nvPr/>
+        </p:nvSpPr>
+        <p:spPr>
+          <a:xfrm>
+            <a:off x="406403" y="592784"/>
+            <a:ext cx="457200" cy="438582"/>
+          </a:xfrm>
+          <a:prstGeom prst="rect">
+            <a:avLst/>
+          </a:prstGeom>
+        </p:spPr>
+        <p:txBody>
+          <a:bodyPr vert="horz" lIns="68580" tIns="34290" rIns="68580" bIns="34290" rtlCol="0" anchor="ctr">
+            <a:noAutofit/>
+          </a:bodyPr>
+          <a:lstStyle/>
+          <a:p>
+            <a:pPr lvl="0"/>
+            <a:r>
+              <a:rPr lang="en-US" sz="6000" baseline="0" dirty="0">
+                <a:ln w="3175" cmpd="sng">
+                  <a:noFill/>
+                </a:ln>
+                <a:solidFill>
+                  <a:schemeClr val="accent1">
+                    <a:lumMod val="60000"/>
+                    <a:lumOff val="40000"/>
+                  </a:schemeClr>
+                </a:solidFill>
+                <a:effectLst/>
+                <a:latin typeface="Arial"/>
+              </a:rPr>
+              <a:t>“</a:t>
+            </a:r>
+          </a:p>
+        </p:txBody>
+      </p:sp>
+      <p:sp>
+        <p:nvSpPr>
+          <p:cNvPr id="22" name="TextBox 21"/>
+          <p:cNvSpPr txBox="1"/>
+          <p:nvPr/>
+        </p:nvSpPr>
+        <p:spPr>
+          <a:xfrm>
+            <a:off x="6669758" y="2164917"/>
+            <a:ext cx="457200" cy="438582"/>
+          </a:xfrm>
+          <a:prstGeom prst="rect">
+            <a:avLst/>
+          </a:prstGeom>
+        </p:spPr>
+        <p:txBody>
+          <a:bodyPr vert="horz" lIns="68580" tIns="34290" rIns="68580" bIns="34290" rtlCol="0" anchor="ctr">
+            <a:noAutofit/>
+          </a:bodyPr>
+          <a:lstStyle/>
+          <a:p>
+            <a:pPr lvl="0"/>
+            <a:r>
+              <a:rPr lang="en-US" sz="6000" baseline="0" dirty="0">
+                <a:ln w="3175" cmpd="sng">
+                  <a:noFill/>
+                </a:ln>
+                <a:solidFill>
+                  <a:schemeClr val="accent1">
+                    <a:lumMod val="60000"/>
+                    <a:lumOff val="40000"/>
+                  </a:schemeClr>
+                </a:solidFill>
+                <a:latin typeface="Arial"/>
+              </a:rPr>
+              <a:t>”</a:t>
+            </a:r>
+            <a:endParaRPr lang="en-US" sz="1350" dirty="0">
+              <a:solidFill>
+                <a:schemeClr val="accent1">
+                  <a:lumMod val="60000"/>
+                  <a:lumOff val="40000"/>
+                </a:schemeClr>
+              </a:solidFill>
+              <a:latin typeface="Arial"/>
+            </a:endParaRPr>
+          </a:p>
+        </p:txBody>
+      </p:sp>
+    </p:spTree>
+    <p:extLst>
+      <p:ext uri="{BB962C8B-B14F-4D97-AF65-F5344CB8AC3E}">
+        <p14:creationId xmlns:p14="http://schemas.microsoft.com/office/powerpoint/2010/main" val="3761917439"/>
+      </p:ext>
+    </p:extLst>
+  </p:cSld>
+  <p:clrMapOvr>
+    <a:masterClrMapping/>
+  </p:clrMapOvr>
+</p:sldLayout>
+</file>
+
+<file path=ppt/slideLayouts/slideLayout12.xml><?xml version="1.0" encoding="utf-8"?>
+<p:sldLayout xmlns:a="http://schemas.openxmlformats.org/drawingml/2006/main" xmlns:r="http://schemas.openxmlformats.org/officeDocument/2006/relationships" xmlns:p="http://schemas.openxmlformats.org/presentationml/2006/main" preserve="1">
+  <p:cSld name="Name Card">
+    <p:spTree>
+      <p:nvGrpSpPr>
+        <p:cNvPr id="1" name=""/>
+        <p:cNvGrpSpPr/>
+        <p:nvPr/>
+      </p:nvGrpSpPr>
+      <p:grpSpPr>
+        <a:xfrm>
+          <a:off x="0" y="0"/>
+          <a:ext cx="0" cy="0"/>
+          <a:chOff x="0" y="0"/>
+          <a:chExt cx="0" cy="0"/>
+        </a:xfrm>
+      </p:grpSpPr>
+      <p:sp>
+        <p:nvSpPr>
+          <p:cNvPr id="2" name="Title 1"/>
+          <p:cNvSpPr>
+            <a:spLocks noGrp="1"/>
+          </p:cNvSpPr>
+          <p:nvPr>
+            <p:ph type="title"/>
+          </p:nvPr>
+        </p:nvSpPr>
+        <p:spPr>
+          <a:xfrm>
+            <a:off x="508001" y="1448991"/>
+            <a:ext cx="6447501" cy="1946595"/>
+          </a:xfrm>
+        </p:spPr>
+        <p:txBody>
+          <a:bodyPr anchor="b">
+            <a:normAutofit/>
+          </a:bodyPr>
+          <a:lstStyle>
+            <a:lvl1pPr algn="l">
+              <a:defRPr sz="3300" b="0" cap="none"/>
+            </a:lvl1pPr>
+          </a:lstStyle>
+          <a:p>
+            <a:r>
+              <a:rPr lang="en-US" altLang="zh-CN"/>
+              <a:t>Click to edit Master title style</a:t>
+            </a:r>
+            <a:endParaRPr lang="en-US" dirty="0"/>
+          </a:p>
+        </p:txBody>
+      </p:sp>
+      <p:sp>
+        <p:nvSpPr>
+          <p:cNvPr id="3" name="Text Placeholder 2"/>
+          <p:cNvSpPr>
+            <a:spLocks noGrp="1"/>
+          </p:cNvSpPr>
+          <p:nvPr>
+            <p:ph type="body" idx="1"/>
+          </p:nvPr>
+        </p:nvSpPr>
+        <p:spPr>
+          <a:xfrm>
+            <a:off x="508001" y="3395586"/>
+            <a:ext cx="6447501" cy="1135436"/>
+          </a:xfrm>
+        </p:spPr>
+        <p:txBody>
+          <a:bodyPr anchor="t">
+            <a:normAutofit/>
+          </a:bodyPr>
+          <a:lstStyle>
+            <a:lvl1pPr marL="0" indent="0" algn="l">
+              <a:buNone/>
+              <a:defRPr sz="1350">
+                <a:solidFill>
+                  <a:schemeClr val="tx1">
+                    <a:lumMod val="75000"/>
+                    <a:lumOff val="25000"/>
+                  </a:schemeClr>
+                </a:solidFill>
+              </a:defRPr>
+            </a:lvl1pPr>
+            <a:lvl2pPr marL="342900" indent="0">
+              <a:buNone/>
+              <a:defRPr sz="1350">
+                <a:solidFill>
+                  <a:schemeClr val="tx1">
+                    <a:tint val="75000"/>
+                  </a:schemeClr>
+                </a:solidFill>
+              </a:defRPr>
+            </a:lvl2pPr>
+            <a:lvl3pPr marL="685800" indent="0">
+              <a:buNone/>
+              <a:defRPr sz="1200">
+                <a:solidFill>
+                  <a:schemeClr val="tx1">
+                    <a:tint val="75000"/>
+                  </a:schemeClr>
+                </a:solidFill>
+              </a:defRPr>
+            </a:lvl3pPr>
+            <a:lvl4pPr marL="1028700" indent="0">
+              <a:buNone/>
+              <a:defRPr sz="1050">
+                <a:solidFill>
+                  <a:schemeClr val="tx1">
+                    <a:tint val="75000"/>
+                  </a:schemeClr>
+                </a:solidFill>
+              </a:defRPr>
+            </a:lvl4pPr>
+            <a:lvl5pPr marL="1371600" indent="0">
+              <a:buNone/>
+              <a:defRPr sz="1050">
+                <a:solidFill>
+                  <a:schemeClr val="tx1">
+                    <a:tint val="75000"/>
+                  </a:schemeClr>
+                </a:solidFill>
+              </a:defRPr>
+            </a:lvl5pPr>
+            <a:lvl6pPr marL="1714500" indent="0">
+              <a:buNone/>
+              <a:defRPr sz="1050">
+                <a:solidFill>
+                  <a:schemeClr val="tx1">
+                    <a:tint val="75000"/>
+                  </a:schemeClr>
+                </a:solidFill>
+              </a:defRPr>
+            </a:lvl6pPr>
+            <a:lvl7pPr marL="2057400" indent="0">
+              <a:buNone/>
+              <a:defRPr sz="1050">
+                <a:solidFill>
+                  <a:schemeClr val="tx1">
+                    <a:tint val="75000"/>
+                  </a:schemeClr>
+                </a:solidFill>
+              </a:defRPr>
+            </a:lvl7pPr>
+            <a:lvl8pPr marL="2400300" indent="0">
+              <a:buNone/>
+              <a:defRPr sz="1050">
+                <a:solidFill>
+                  <a:schemeClr val="tx1">
+                    <a:tint val="75000"/>
+                  </a:schemeClr>
+                </a:solidFill>
+              </a:defRPr>
+            </a:lvl8pPr>
+            <a:lvl9pPr marL="2743200" indent="0">
+              <a:buNone/>
+              <a:defRPr sz="1050">
+                <a:solidFill>
+                  <a:schemeClr val="tx1">
+                    <a:tint val="75000"/>
+                  </a:schemeClr>
+                </a:solidFill>
+              </a:defRPr>
+            </a:lvl9pPr>
+          </a:lstStyle>
+          <a:p>
+            <a:pPr lvl="0"/>
+            <a:r>
+              <a:rPr lang="en-US" altLang="zh-CN"/>
+              <a:t>Click to edit Master text styles</a:t>
+            </a:r>
+          </a:p>
+        </p:txBody>
+      </p:sp>
+      <p:sp>
+        <p:nvSpPr>
+          <p:cNvPr id="4" name="Date Placeholder 3"/>
+          <p:cNvSpPr>
+            <a:spLocks noGrp="1"/>
+          </p:cNvSpPr>
+          <p:nvPr>
+            <p:ph type="dt" sz="half" idx="10"/>
+          </p:nvPr>
+        </p:nvSpPr>
+        <p:spPr/>
+        <p:txBody>
+          <a:bodyPr/>
+          <a:lstStyle/>
+          <a:p>
+            <a:fld id="{241EB5C9-1307-BA42-ABA2-0BC069CD8E7F}" type="datetimeFigureOut">
+              <a:rPr lang="en-US" smtClean="0"/>
+              <a:t>12/25/2025</a:t>
+            </a:fld>
+            <a:endParaRPr lang="en-US"/>
+          </a:p>
+        </p:txBody>
+      </p:sp>
+      <p:sp>
+        <p:nvSpPr>
+          <p:cNvPr id="5" name="Footer Placeholder 4"/>
+          <p:cNvSpPr>
+            <a:spLocks noGrp="1"/>
+          </p:cNvSpPr>
+          <p:nvPr>
+            <p:ph type="ftr" sz="quarter" idx="11"/>
+          </p:nvPr>
+        </p:nvSpPr>
+        <p:spPr/>
+        <p:txBody>
+          <a:bodyPr/>
+          <a:lstStyle/>
+          <a:p>
+            <a:endParaRPr lang="en-US"/>
+          </a:p>
+        </p:txBody>
+      </p:sp>
+      <p:sp>
+        <p:nvSpPr>
+          <p:cNvPr id="6" name="Slide Number Placeholder 5"/>
+          <p:cNvSpPr>
+            <a:spLocks noGrp="1"/>
+          </p:cNvSpPr>
+          <p:nvPr>
+            <p:ph type="sldNum" sz="quarter" idx="12"/>
+          </p:nvPr>
+        </p:nvSpPr>
+        <p:spPr/>
+        <p:txBody>
+          <a:bodyPr/>
+          <a:lstStyle/>
+          <a:p>
+            <a:fld id="{C5EF2332-01BF-834F-8236-50238282D533}" type="slidenum">
+              <a:rPr lang="en-US" smtClean="0"/>
+              <a:t>‹#›</a:t>
+            </a:fld>
+            <a:endParaRPr lang="en-US"/>
+          </a:p>
+        </p:txBody>
+      </p:sp>
+    </p:spTree>
+    <p:extLst>
+      <p:ext uri="{BB962C8B-B14F-4D97-AF65-F5344CB8AC3E}">
+        <p14:creationId xmlns:p14="http://schemas.microsoft.com/office/powerpoint/2010/main" val="1616785361"/>
+      </p:ext>
+    </p:extLst>
+  </p:cSld>
+  <p:clrMapOvr>
+    <a:masterClrMapping/>
+  </p:clrMapOvr>
+</p:sldLayout>
+</file>
+
+<file path=ppt/slideLayouts/slideLayout13.xml><?xml version="1.0" encoding="utf-8"?>
+<p:sldLayout xmlns:a="http://schemas.openxmlformats.org/drawingml/2006/main" xmlns:r="http://schemas.openxmlformats.org/officeDocument/2006/relationships" xmlns:p="http://schemas.openxmlformats.org/presentationml/2006/main" preserve="1">
+  <p:cSld name="Quote Name Card">
+    <p:spTree>
+      <p:nvGrpSpPr>
+        <p:cNvPr id="1" name=""/>
+        <p:cNvGrpSpPr/>
+        <p:nvPr/>
+      </p:nvGrpSpPr>
+      <p:grpSpPr>
+        <a:xfrm>
+          <a:off x="0" y="0"/>
+          <a:ext cx="0" cy="0"/>
+          <a:chOff x="0" y="0"/>
+          <a:chExt cx="0" cy="0"/>
+        </a:xfrm>
+      </p:grpSpPr>
+      <p:sp>
+        <p:nvSpPr>
+          <p:cNvPr id="2" name="Title 1"/>
+          <p:cNvSpPr>
+            <a:spLocks noGrp="1"/>
+          </p:cNvSpPr>
+          <p:nvPr>
+            <p:ph type="title"/>
+          </p:nvPr>
+        </p:nvSpPr>
+        <p:spPr>
+          <a:xfrm>
+            <a:off x="698500" y="457200"/>
+            <a:ext cx="6070601" cy="2266950"/>
+          </a:xfrm>
+        </p:spPr>
+        <p:txBody>
+          <a:bodyPr anchor="ctr">
+            <a:normAutofit/>
+          </a:bodyPr>
+          <a:lstStyle>
+            <a:lvl1pPr algn="l">
+              <a:defRPr sz="3300" b="0" cap="none"/>
+            </a:lvl1pPr>
+          </a:lstStyle>
+          <a:p>
+            <a:r>
+              <a:rPr lang="en-US" altLang="zh-CN"/>
+              <a:t>Click to edit Master title style</a:t>
+            </a:r>
+            <a:endParaRPr lang="en-US" dirty="0"/>
+          </a:p>
+        </p:txBody>
+      </p:sp>
+      <p:sp>
+        <p:nvSpPr>
+          <p:cNvPr id="23" name="Text Placeholder 9"/>
+          <p:cNvSpPr>
+            <a:spLocks noGrp="1"/>
+          </p:cNvSpPr>
+          <p:nvPr>
+            <p:ph type="body" sz="quarter" idx="13"/>
+          </p:nvPr>
+        </p:nvSpPr>
+        <p:spPr>
+          <a:xfrm>
+            <a:off x="507999" y="3009900"/>
+            <a:ext cx="6447502" cy="385686"/>
+          </a:xfrm>
+        </p:spPr>
+        <p:txBody>
+          <a:bodyPr anchor="b">
+            <a:noAutofit/>
+          </a:bodyPr>
+          <a:lstStyle>
+            <a:lvl1pPr marL="0" indent="0">
+              <a:buFontTx/>
+              <a:buNone/>
+              <a:defRPr sz="1800">
+                <a:solidFill>
+                  <a:schemeClr val="tx1">
+                    <a:lumMod val="75000"/>
+                    <a:lumOff val="25000"/>
+                  </a:schemeClr>
+                </a:solidFill>
+              </a:defRPr>
+            </a:lvl1pPr>
+            <a:lvl2pPr marL="342900" indent="0">
+              <a:buFontTx/>
+              <a:buNone/>
+              <a:defRPr/>
+            </a:lvl2pPr>
+            <a:lvl3pPr marL="685800" indent="0">
+              <a:buFontTx/>
+              <a:buNone/>
+              <a:defRPr/>
+            </a:lvl3pPr>
+            <a:lvl4pPr marL="1028700" indent="0">
+              <a:buFontTx/>
+              <a:buNone/>
+              <a:defRPr/>
+            </a:lvl4pPr>
+            <a:lvl5pPr marL="1371600" indent="0">
+              <a:buFontTx/>
+              <a:buNone/>
+              <a:defRPr/>
+            </a:lvl5pPr>
+          </a:lstStyle>
+          <a:p>
+            <a:pPr lvl="0"/>
+            <a:r>
+              <a:rPr lang="en-US" altLang="zh-CN"/>
+              <a:t>Click to edit Master text styles</a:t>
+            </a:r>
+          </a:p>
+        </p:txBody>
+      </p:sp>
+      <p:sp>
+        <p:nvSpPr>
+          <p:cNvPr id="3" name="Text Placeholder 2"/>
+          <p:cNvSpPr>
+            <a:spLocks noGrp="1"/>
+          </p:cNvSpPr>
+          <p:nvPr>
+            <p:ph type="body" idx="1"/>
+          </p:nvPr>
+        </p:nvSpPr>
+        <p:spPr>
+          <a:xfrm>
+            <a:off x="508001" y="3395586"/>
+            <a:ext cx="6447501" cy="1135436"/>
+          </a:xfrm>
+        </p:spPr>
+        <p:txBody>
+          <a:bodyPr anchor="t">
+            <a:normAutofit/>
+          </a:bodyPr>
+          <a:lstStyle>
+            <a:lvl1pPr marL="0" indent="0" algn="l">
+              <a:buNone/>
+              <a:defRPr sz="1350">
+                <a:solidFill>
+                  <a:schemeClr val="tx1">
+                    <a:lumMod val="50000"/>
+                    <a:lumOff val="50000"/>
+                  </a:schemeClr>
+                </a:solidFill>
+              </a:defRPr>
+            </a:lvl1pPr>
+            <a:lvl2pPr marL="342900" indent="0">
+              <a:buNone/>
+              <a:defRPr sz="1350">
+                <a:solidFill>
+                  <a:schemeClr val="tx1">
+                    <a:tint val="75000"/>
+                  </a:schemeClr>
+                </a:solidFill>
+              </a:defRPr>
+            </a:lvl2pPr>
+            <a:lvl3pPr marL="685800" indent="0">
+              <a:buNone/>
+              <a:defRPr sz="1200">
+                <a:solidFill>
+                  <a:schemeClr val="tx1">
+                    <a:tint val="75000"/>
+                  </a:schemeClr>
+                </a:solidFill>
+              </a:defRPr>
+            </a:lvl3pPr>
+            <a:lvl4pPr marL="1028700" indent="0">
+              <a:buNone/>
+              <a:defRPr sz="1050">
+                <a:solidFill>
+                  <a:schemeClr val="tx1">
+                    <a:tint val="75000"/>
+                  </a:schemeClr>
+                </a:solidFill>
+              </a:defRPr>
+            </a:lvl4pPr>
+            <a:lvl5pPr marL="1371600" indent="0">
+              <a:buNone/>
+              <a:defRPr sz="1050">
+                <a:solidFill>
+                  <a:schemeClr val="tx1">
+                    <a:tint val="75000"/>
+                  </a:schemeClr>
+                </a:solidFill>
+              </a:defRPr>
+            </a:lvl5pPr>
+            <a:lvl6pPr marL="1714500" indent="0">
+              <a:buNone/>
+              <a:defRPr sz="1050">
+                <a:solidFill>
+                  <a:schemeClr val="tx1">
+                    <a:tint val="75000"/>
+                  </a:schemeClr>
+                </a:solidFill>
+              </a:defRPr>
+            </a:lvl6pPr>
+            <a:lvl7pPr marL="2057400" indent="0">
+              <a:buNone/>
+              <a:defRPr sz="1050">
+                <a:solidFill>
+                  <a:schemeClr val="tx1">
+                    <a:tint val="75000"/>
+                  </a:schemeClr>
+                </a:solidFill>
+              </a:defRPr>
+            </a:lvl7pPr>
+            <a:lvl8pPr marL="2400300" indent="0">
+              <a:buNone/>
+              <a:defRPr sz="1050">
+                <a:solidFill>
+                  <a:schemeClr val="tx1">
+                    <a:tint val="75000"/>
+                  </a:schemeClr>
+                </a:solidFill>
+              </a:defRPr>
+            </a:lvl8pPr>
+            <a:lvl9pPr marL="2743200" indent="0">
+              <a:buNone/>
+              <a:defRPr sz="1050">
+                <a:solidFill>
+                  <a:schemeClr val="tx1">
+                    <a:tint val="75000"/>
+                  </a:schemeClr>
+                </a:solidFill>
+              </a:defRPr>
+            </a:lvl9pPr>
+          </a:lstStyle>
+          <a:p>
+            <a:pPr lvl="0"/>
+            <a:r>
+              <a:rPr lang="en-US" altLang="zh-CN"/>
+              <a:t>Click to edit Master text styles</a:t>
+            </a:r>
+          </a:p>
+        </p:txBody>
+      </p:sp>
+      <p:sp>
+        <p:nvSpPr>
+          <p:cNvPr id="4" name="Date Placeholder 3"/>
+          <p:cNvSpPr>
+            <a:spLocks noGrp="1"/>
+          </p:cNvSpPr>
+          <p:nvPr>
+            <p:ph type="dt" sz="half" idx="10"/>
+          </p:nvPr>
+        </p:nvSpPr>
+        <p:spPr/>
+        <p:txBody>
+          <a:bodyPr/>
+          <a:lstStyle/>
+          <a:p>
+            <a:fld id="{241EB5C9-1307-BA42-ABA2-0BC069CD8E7F}" type="datetimeFigureOut">
+              <a:rPr lang="en-US" smtClean="0"/>
+              <a:t>12/25/2025</a:t>
+            </a:fld>
+            <a:endParaRPr lang="en-US"/>
+          </a:p>
+        </p:txBody>
+      </p:sp>
+      <p:sp>
+        <p:nvSpPr>
+          <p:cNvPr id="5" name="Footer Placeholder 4"/>
+          <p:cNvSpPr>
+            <a:spLocks noGrp="1"/>
+          </p:cNvSpPr>
+          <p:nvPr>
+            <p:ph type="ftr" sz="quarter" idx="11"/>
+          </p:nvPr>
+        </p:nvSpPr>
+        <p:spPr/>
+        <p:txBody>
+          <a:bodyPr/>
+          <a:lstStyle/>
+          <a:p>
+            <a:endParaRPr lang="en-US"/>
+          </a:p>
+        </p:txBody>
+      </p:sp>
+      <p:sp>
+        <p:nvSpPr>
+          <p:cNvPr id="6" name="Slide Number Placeholder 5"/>
+          <p:cNvSpPr>
+            <a:spLocks noGrp="1"/>
+          </p:cNvSpPr>
+          <p:nvPr>
+            <p:ph type="sldNum" sz="quarter" idx="12"/>
+          </p:nvPr>
+        </p:nvSpPr>
+        <p:spPr/>
+        <p:txBody>
+          <a:bodyPr/>
+          <a:lstStyle/>
+          <a:p>
+            <a:fld id="{C5EF2332-01BF-834F-8236-50238282D533}" type="slidenum">
+              <a:rPr lang="en-US" smtClean="0"/>
+              <a:t>‹#›</a:t>
+            </a:fld>
+            <a:endParaRPr lang="en-US"/>
+          </a:p>
+        </p:txBody>
+      </p:sp>
+      <p:sp>
+        <p:nvSpPr>
+          <p:cNvPr id="24" name="TextBox 23"/>
+          <p:cNvSpPr txBox="1"/>
+          <p:nvPr/>
+        </p:nvSpPr>
+        <p:spPr>
+          <a:xfrm>
+            <a:off x="406403" y="592784"/>
+            <a:ext cx="457200" cy="438582"/>
+          </a:xfrm>
+          <a:prstGeom prst="rect">
+            <a:avLst/>
+          </a:prstGeom>
+        </p:spPr>
+        <p:txBody>
+          <a:bodyPr vert="horz" lIns="68580" tIns="34290" rIns="68580" bIns="34290" rtlCol="0" anchor="ctr">
+            <a:noAutofit/>
+          </a:bodyPr>
+          <a:lstStyle/>
+          <a:p>
+            <a:pPr lvl="0"/>
+            <a:r>
+              <a:rPr lang="en-US" sz="6000" baseline="0" dirty="0">
+                <a:ln w="3175" cmpd="sng">
+                  <a:noFill/>
+                </a:ln>
+                <a:solidFill>
+                  <a:schemeClr val="accent1">
+                    <a:lumMod val="60000"/>
+                    <a:lumOff val="40000"/>
+                  </a:schemeClr>
+                </a:solidFill>
+                <a:effectLst/>
+                <a:latin typeface="Arial"/>
+              </a:rPr>
+              <a:t>“</a:t>
+            </a:r>
+          </a:p>
+        </p:txBody>
+      </p:sp>
+      <p:sp>
+        <p:nvSpPr>
+          <p:cNvPr id="25" name="TextBox 24"/>
+          <p:cNvSpPr txBox="1"/>
+          <p:nvPr/>
+        </p:nvSpPr>
+        <p:spPr>
+          <a:xfrm>
+            <a:off x="6669758" y="2164917"/>
+            <a:ext cx="457200" cy="438582"/>
+          </a:xfrm>
+          <a:prstGeom prst="rect">
+            <a:avLst/>
+          </a:prstGeom>
+        </p:spPr>
+        <p:txBody>
+          <a:bodyPr vert="horz" lIns="68580" tIns="34290" rIns="68580" bIns="34290" rtlCol="0" anchor="ctr">
+            <a:noAutofit/>
+          </a:bodyPr>
+          <a:lstStyle/>
+          <a:p>
+            <a:pPr lvl="0"/>
+            <a:r>
+              <a:rPr lang="en-US" sz="6000" baseline="0" dirty="0">
+                <a:ln w="3175" cmpd="sng">
+                  <a:noFill/>
+                </a:ln>
+                <a:solidFill>
+                  <a:schemeClr val="accent1">
+                    <a:lumMod val="60000"/>
+                    <a:lumOff val="40000"/>
+                  </a:schemeClr>
+                </a:solidFill>
+                <a:effectLst/>
+                <a:latin typeface="Arial"/>
+              </a:rPr>
+              <a:t>”</a:t>
+            </a:r>
+          </a:p>
+        </p:txBody>
+      </p:sp>
+    </p:spTree>
+    <p:extLst>
+      <p:ext uri="{BB962C8B-B14F-4D97-AF65-F5344CB8AC3E}">
+        <p14:creationId xmlns:p14="http://schemas.microsoft.com/office/powerpoint/2010/main" val="894419940"/>
+      </p:ext>
+    </p:extLst>
+  </p:cSld>
+  <p:clrMapOvr>
+    <a:masterClrMapping/>
+  </p:clrMapOvr>
+</p:sldLayout>
+</file>
+
+<file path=ppt/slideLayouts/slideLayout14.xml><?xml version="1.0" encoding="utf-8"?>
+<p:sldLayout xmlns:a="http://schemas.openxmlformats.org/drawingml/2006/main" xmlns:r="http://schemas.openxmlformats.org/officeDocument/2006/relationships" xmlns:p="http://schemas.openxmlformats.org/presentationml/2006/main" preserve="1">
+  <p:cSld name="True or False">
+    <p:spTree>
+      <p:nvGrpSpPr>
+        <p:cNvPr id="1" name=""/>
+        <p:cNvGrpSpPr/>
+        <p:nvPr/>
+      </p:nvGrpSpPr>
+      <p:grpSpPr>
+        <a:xfrm>
+          <a:off x="0" y="0"/>
+          <a:ext cx="0" cy="0"/>
+          <a:chOff x="0" y="0"/>
+          <a:chExt cx="0" cy="0"/>
+        </a:xfrm>
+      </p:grpSpPr>
+      <p:sp>
+        <p:nvSpPr>
+          <p:cNvPr id="2" name="Title 1"/>
+          <p:cNvSpPr>
+            <a:spLocks noGrp="1"/>
+          </p:cNvSpPr>
+          <p:nvPr>
+            <p:ph type="title"/>
+          </p:nvPr>
+        </p:nvSpPr>
+        <p:spPr>
+          <a:xfrm>
+            <a:off x="514350" y="457200"/>
+            <a:ext cx="6441152" cy="2266950"/>
+          </a:xfrm>
+        </p:spPr>
+        <p:txBody>
+          <a:bodyPr anchor="ctr">
+            <a:normAutofit/>
+          </a:bodyPr>
+          <a:lstStyle>
+            <a:lvl1pPr algn="l">
+              <a:defRPr sz="3300" b="0" cap="none"/>
+            </a:lvl1pPr>
+          </a:lstStyle>
+          <a:p>
+            <a:r>
+              <a:rPr lang="en-US" altLang="zh-CN"/>
+              <a:t>Click to edit Master title style</a:t>
+            </a:r>
+            <a:endParaRPr lang="en-US" dirty="0"/>
+          </a:p>
+        </p:txBody>
+      </p:sp>
+      <p:sp>
+        <p:nvSpPr>
+          <p:cNvPr id="23" name="Text Placeholder 9"/>
+          <p:cNvSpPr>
+            <a:spLocks noGrp="1"/>
+          </p:cNvSpPr>
+          <p:nvPr>
+            <p:ph type="body" sz="quarter" idx="13"/>
+          </p:nvPr>
+        </p:nvSpPr>
+        <p:spPr>
+          <a:xfrm>
+            <a:off x="507999" y="3009900"/>
+            <a:ext cx="6447502" cy="385686"/>
+          </a:xfrm>
+        </p:spPr>
+        <p:txBody>
+          <a:bodyPr anchor="b">
+            <a:noAutofit/>
+          </a:bodyPr>
+          <a:lstStyle>
+            <a:lvl1pPr marL="0" indent="0">
+              <a:buFontTx/>
+              <a:buNone/>
+              <a:defRPr sz="1800">
+                <a:solidFill>
+                  <a:schemeClr val="accent1"/>
+                </a:solidFill>
+              </a:defRPr>
+            </a:lvl1pPr>
+            <a:lvl2pPr marL="342900" indent="0">
+              <a:buFontTx/>
+              <a:buNone/>
+              <a:defRPr/>
+            </a:lvl2pPr>
+            <a:lvl3pPr marL="685800" indent="0">
+              <a:buFontTx/>
+              <a:buNone/>
+              <a:defRPr/>
+            </a:lvl3pPr>
+            <a:lvl4pPr marL="1028700" indent="0">
+              <a:buFontTx/>
+              <a:buNone/>
+              <a:defRPr/>
+            </a:lvl4pPr>
+            <a:lvl5pPr marL="1371600" indent="0">
+              <a:buFontTx/>
+              <a:buNone/>
+              <a:defRPr/>
+            </a:lvl5pPr>
+          </a:lstStyle>
+          <a:p>
+            <a:pPr lvl="0"/>
+            <a:r>
+              <a:rPr lang="en-US" altLang="zh-CN"/>
+              <a:t>Click to edit Master text styles</a:t>
+            </a:r>
+          </a:p>
+        </p:txBody>
+      </p:sp>
+      <p:sp>
+        <p:nvSpPr>
+          <p:cNvPr id="3" name="Text Placeholder 2"/>
+          <p:cNvSpPr>
+            <a:spLocks noGrp="1"/>
+          </p:cNvSpPr>
+          <p:nvPr>
+            <p:ph type="body" idx="1"/>
+          </p:nvPr>
+        </p:nvSpPr>
+        <p:spPr>
+          <a:xfrm>
+            <a:off x="508001" y="3395586"/>
+            <a:ext cx="6447501" cy="1135436"/>
+          </a:xfrm>
+        </p:spPr>
+        <p:txBody>
+          <a:bodyPr anchor="t">
+            <a:normAutofit/>
+          </a:bodyPr>
+          <a:lstStyle>
+            <a:lvl1pPr marL="0" indent="0" algn="l">
+              <a:buNone/>
+              <a:defRPr sz="1350">
+                <a:solidFill>
+                  <a:schemeClr val="tx1">
+                    <a:lumMod val="50000"/>
+                    <a:lumOff val="50000"/>
+                  </a:schemeClr>
+                </a:solidFill>
+              </a:defRPr>
+            </a:lvl1pPr>
+            <a:lvl2pPr marL="342900" indent="0">
+              <a:buNone/>
+              <a:defRPr sz="1350">
+                <a:solidFill>
+                  <a:schemeClr val="tx1">
+                    <a:tint val="75000"/>
+                  </a:schemeClr>
+                </a:solidFill>
+              </a:defRPr>
+            </a:lvl2pPr>
+            <a:lvl3pPr marL="685800" indent="0">
+              <a:buNone/>
+              <a:defRPr sz="1200">
+                <a:solidFill>
+                  <a:schemeClr val="tx1">
+                    <a:tint val="75000"/>
+                  </a:schemeClr>
+                </a:solidFill>
+              </a:defRPr>
+            </a:lvl3pPr>
+            <a:lvl4pPr marL="1028700" indent="0">
+              <a:buNone/>
+              <a:defRPr sz="1050">
+                <a:solidFill>
+                  <a:schemeClr val="tx1">
+                    <a:tint val="75000"/>
+                  </a:schemeClr>
+                </a:solidFill>
+              </a:defRPr>
+            </a:lvl4pPr>
+            <a:lvl5pPr marL="1371600" indent="0">
+              <a:buNone/>
+              <a:defRPr sz="1050">
+                <a:solidFill>
+                  <a:schemeClr val="tx1">
+                    <a:tint val="75000"/>
+                  </a:schemeClr>
+                </a:solidFill>
+              </a:defRPr>
+            </a:lvl5pPr>
+            <a:lvl6pPr marL="1714500" indent="0">
+              <a:buNone/>
+              <a:defRPr sz="1050">
+                <a:solidFill>
+                  <a:schemeClr val="tx1">
+                    <a:tint val="75000"/>
+                  </a:schemeClr>
+                </a:solidFill>
+              </a:defRPr>
+            </a:lvl6pPr>
+            <a:lvl7pPr marL="2057400" indent="0">
+              <a:buNone/>
+              <a:defRPr sz="1050">
+                <a:solidFill>
+                  <a:schemeClr val="tx1">
+                    <a:tint val="75000"/>
+                  </a:schemeClr>
+                </a:solidFill>
+              </a:defRPr>
+            </a:lvl7pPr>
+            <a:lvl8pPr marL="2400300" indent="0">
+              <a:buNone/>
+              <a:defRPr sz="1050">
+                <a:solidFill>
+                  <a:schemeClr val="tx1">
+                    <a:tint val="75000"/>
+                  </a:schemeClr>
+                </a:solidFill>
+              </a:defRPr>
+            </a:lvl8pPr>
+            <a:lvl9pPr marL="2743200" indent="0">
+              <a:buNone/>
+              <a:defRPr sz="1050">
+                <a:solidFill>
+                  <a:schemeClr val="tx1">
+                    <a:tint val="75000"/>
+                  </a:schemeClr>
+                </a:solidFill>
+              </a:defRPr>
+            </a:lvl9pPr>
+          </a:lstStyle>
+          <a:p>
+            <a:pPr lvl="0"/>
+            <a:r>
+              <a:rPr lang="en-US" altLang="zh-CN"/>
+              <a:t>Click to edit Master text styles</a:t>
+            </a:r>
+          </a:p>
+        </p:txBody>
+      </p:sp>
+      <p:sp>
+        <p:nvSpPr>
+          <p:cNvPr id="4" name="Date Placeholder 3"/>
+          <p:cNvSpPr>
+            <a:spLocks noGrp="1"/>
+          </p:cNvSpPr>
+          <p:nvPr>
+            <p:ph type="dt" sz="half" idx="10"/>
+          </p:nvPr>
+        </p:nvSpPr>
+        <p:spPr/>
+        <p:txBody>
+          <a:bodyPr/>
+          <a:lstStyle/>
+          <a:p>
+            <a:fld id="{241EB5C9-1307-BA42-ABA2-0BC069CD8E7F}" type="datetimeFigureOut">
+              <a:rPr lang="en-US" smtClean="0"/>
+              <a:t>12/25/2025</a:t>
+            </a:fld>
+            <a:endParaRPr lang="en-US"/>
+          </a:p>
+        </p:txBody>
+      </p:sp>
+      <p:sp>
+        <p:nvSpPr>
+          <p:cNvPr id="5" name="Footer Placeholder 4"/>
+          <p:cNvSpPr>
+            <a:spLocks noGrp="1"/>
+          </p:cNvSpPr>
+          <p:nvPr>
+            <p:ph type="ftr" sz="quarter" idx="11"/>
+          </p:nvPr>
+        </p:nvSpPr>
+        <p:spPr/>
+        <p:txBody>
+          <a:bodyPr/>
+          <a:lstStyle/>
+          <a:p>
+            <a:endParaRPr lang="en-US"/>
+          </a:p>
+        </p:txBody>
+      </p:sp>
+      <p:sp>
+        <p:nvSpPr>
+          <p:cNvPr id="6" name="Slide Number Placeholder 5"/>
+          <p:cNvSpPr>
+            <a:spLocks noGrp="1"/>
+          </p:cNvSpPr>
+          <p:nvPr>
+            <p:ph type="sldNum" sz="quarter" idx="12"/>
+          </p:nvPr>
+        </p:nvSpPr>
+        <p:spPr/>
+        <p:txBody>
+          <a:bodyPr/>
+          <a:lstStyle/>
+          <a:p>
+            <a:fld id="{C5EF2332-01BF-834F-8236-50238282D533}" type="slidenum">
+              <a:rPr lang="en-US" smtClean="0"/>
+              <a:t>‹#›</a:t>
+            </a:fld>
+            <a:endParaRPr lang="en-US"/>
+          </a:p>
+        </p:txBody>
+      </p:sp>
+    </p:spTree>
+    <p:extLst>
+      <p:ext uri="{BB962C8B-B14F-4D97-AF65-F5344CB8AC3E}">
+        <p14:creationId xmlns:p14="http://schemas.microsoft.com/office/powerpoint/2010/main" val="4129861390"/>
+      </p:ext>
+    </p:extLst>
+  </p:cSld>
+  <p:clrMapOvr>
+    <a:masterClrMapping/>
+  </p:clrMapOvr>
+</p:sldLayout>
+</file>
+
+<file path=ppt/slideLayouts/slideLayout15.xml><?xml version="1.0" encoding="utf-8"?>
 <p:sldLayout xmlns:a="http://schemas.openxmlformats.org/drawingml/2006/main" xmlns:r="http://schemas.openxmlformats.org/officeDocument/2006/relationships" xmlns:p="http://schemas.openxmlformats.org/presentationml/2006/main" type="vertTx" preserve="1">
   <p:cSld name="Title and Vertical Text">
     <p:spTree>
@@ -958,9 +3126,10 @@
           <a:lstStyle/>
           <a:p>
             <a:r>
-              <a:rPr lang="en-US"/>
+              <a:rPr lang="en-US" altLang="zh-CN"/>
               <a:t>Click to edit Master title style</a:t>
             </a:r>
+            <a:endParaRPr lang="en-US" dirty="0"/>
           </a:p>
         </p:txBody>
       </p:sp>
@@ -981,37 +3150,38 @@
           <a:p>
             <a:pPr lvl="0"/>
             <a:r>
-              <a:rPr lang="en-US"/>
+              <a:rPr lang="en-US" altLang="zh-CN"/>
               <a:t>Click to edit Master text styles</a:t>
             </a:r>
           </a:p>
           <a:p>
             <a:pPr lvl="1"/>
             <a:r>
-              <a:rPr lang="en-US"/>
+              <a:rPr lang="en-US" altLang="zh-CN"/>
               <a:t>Second level</a:t>
             </a:r>
           </a:p>
           <a:p>
             <a:pPr lvl="2"/>
             <a:r>
-              <a:rPr lang="en-US"/>
+              <a:rPr lang="en-US" altLang="zh-CN"/>
               <a:t>Third level</a:t>
             </a:r>
           </a:p>
           <a:p>
             <a:pPr lvl="3"/>
             <a:r>
-              <a:rPr lang="en-US"/>
+              <a:rPr lang="en-US" altLang="zh-CN"/>
               <a:t>Fourth level</a:t>
             </a:r>
           </a:p>
           <a:p>
             <a:pPr lvl="4"/>
             <a:r>
-              <a:rPr lang="en-US"/>
+              <a:rPr lang="en-US" altLang="zh-CN"/>
               <a:t>Fifth level</a:t>
             </a:r>
+            <a:endParaRPr lang="en-US" dirty="0"/>
           </a:p>
         </p:txBody>
       </p:sp>
@@ -1032,7 +3202,7 @@
           <a:p>
             <a:fld id="{241EB5C9-1307-BA42-ABA2-0BC069CD8E7F}" type="datetimeFigureOut">
               <a:rPr lang="en-US" smtClean="0"/>
-              <a:t>1/2/22</a:t>
+              <a:t>12/25/2025</a:t>
             </a:fld>
             <a:endParaRPr lang="en-US"/>
           </a:p>
@@ -1083,17 +3253,29 @@
     </p:spTree>
     <p:extLst>
       <p:ext uri="{BB962C8B-B14F-4D97-AF65-F5344CB8AC3E}">
-        <p14:creationId xmlns:p14="http://schemas.microsoft.com/office/powerpoint/2010/main" val="313914798"/>
+        <p14:creationId xmlns:p14="http://schemas.microsoft.com/office/powerpoint/2010/main" val="3479289203"/>
       </p:ext>
     </p:extLst>
   </p:cSld>
   <p:clrMapOvr>
     <a:masterClrMapping/>
   </p:clrMapOvr>
+  <mc:AlternateContent xmlns:mc="http://schemas.openxmlformats.org/markup-compatibility/2006" xmlns:p14="http://schemas.microsoft.com/office/powerpoint/2010/main">
+    <mc:Choice Requires="p14">
+      <p:transition p14:dur="250">
+        <p:fade/>
+      </p:transition>
+    </mc:Choice>
+    <mc:Fallback xmlns="">
+      <p:transition>
+        <p:fade/>
+      </p:transition>
+    </mc:Fallback>
+  </mc:AlternateContent>
 </p:sldLayout>
 </file>
 
-<file path=ppt/slideLayouts/slideLayout11.xml><?xml version="1.0" encoding="utf-8"?>
+<file path=ppt/slideLayouts/slideLayout16.xml><?xml version="1.0" encoding="utf-8"?>
 <p:sldLayout xmlns:a="http://schemas.openxmlformats.org/drawingml/2006/main" xmlns:r="http://schemas.openxmlformats.org/officeDocument/2006/relationships" xmlns:p="http://schemas.openxmlformats.org/presentationml/2006/main" type="vertTitleAndTx" preserve="1">
   <p:cSld name="Vertical Title and Text">
     <p:spTree>
@@ -1122,18 +3304,19 @@
         </p:nvSpPr>
         <p:spPr>
           <a:xfrm>
-            <a:off x="6629400" y="205979"/>
-            <a:ext cx="2057400" cy="4388644"/>
+            <a:off x="5975755" y="457200"/>
+            <a:ext cx="978557" cy="3938588"/>
           </a:xfrm>
         </p:spPr>
         <p:txBody>
-          <a:bodyPr vert="eaVert"/>
-          <a:lstStyle/>
-          <a:p>
-            <a:r>
-              <a:rPr lang="en-US"/>
+          <a:bodyPr vert="eaVert" anchor="ctr"/>
+          <a:lstStyle/>
+          <a:p>
+            <a:r>
+              <a:rPr lang="en-US" altLang="zh-CN"/>
               <a:t>Click to edit Master title style</a:t>
             </a:r>
+            <a:endParaRPr lang="en-US" dirty="0"/>
           </a:p>
         </p:txBody>
       </p:sp>
@@ -1149,8 +3332,8 @@
         </p:nvSpPr>
         <p:spPr>
           <a:xfrm>
-            <a:off x="457200" y="205979"/>
-            <a:ext cx="6019800" cy="4388644"/>
+            <a:off x="508001" y="457200"/>
+            <a:ext cx="5295113" cy="3938588"/>
           </a:xfrm>
         </p:spPr>
         <p:txBody>
@@ -1159,37 +3342,38 @@
           <a:p>
             <a:pPr lvl="0"/>
             <a:r>
-              <a:rPr lang="en-US"/>
+              <a:rPr lang="en-US" altLang="zh-CN"/>
               <a:t>Click to edit Master text styles</a:t>
             </a:r>
           </a:p>
           <a:p>
             <a:pPr lvl="1"/>
             <a:r>
-              <a:rPr lang="en-US"/>
+              <a:rPr lang="en-US" altLang="zh-CN"/>
               <a:t>Second level</a:t>
             </a:r>
           </a:p>
           <a:p>
             <a:pPr lvl="2"/>
             <a:r>
-              <a:rPr lang="en-US"/>
+              <a:rPr lang="en-US" altLang="zh-CN"/>
               <a:t>Third level</a:t>
             </a:r>
           </a:p>
           <a:p>
             <a:pPr lvl="3"/>
             <a:r>
-              <a:rPr lang="en-US"/>
+              <a:rPr lang="en-US" altLang="zh-CN"/>
               <a:t>Fourth level</a:t>
             </a:r>
           </a:p>
           <a:p>
             <a:pPr lvl="4"/>
             <a:r>
-              <a:rPr lang="en-US"/>
+              <a:rPr lang="en-US" altLang="zh-CN"/>
               <a:t>Fifth level</a:t>
             </a:r>
+            <a:endParaRPr lang="en-US" dirty="0"/>
           </a:p>
         </p:txBody>
       </p:sp>
@@ -1210,7 +3394,7 @@
           <a:p>
             <a:fld id="{241EB5C9-1307-BA42-ABA2-0BC069CD8E7F}" type="datetimeFigureOut">
               <a:rPr lang="en-US" smtClean="0"/>
-              <a:t>1/2/22</a:t>
+              <a:t>12/25/2025</a:t>
             </a:fld>
             <a:endParaRPr lang="en-US"/>
           </a:p>
@@ -1261,13 +3445,25 @@
     </p:spTree>
     <p:extLst>
       <p:ext uri="{BB962C8B-B14F-4D97-AF65-F5344CB8AC3E}">
-        <p14:creationId xmlns:p14="http://schemas.microsoft.com/office/powerpoint/2010/main" val="2581529045"/>
+        <p14:creationId xmlns:p14="http://schemas.microsoft.com/office/powerpoint/2010/main" val="697280879"/>
       </p:ext>
     </p:extLst>
   </p:cSld>
   <p:clrMapOvr>
     <a:masterClrMapping/>
   </p:clrMapOvr>
+  <mc:AlternateContent xmlns:mc="http://schemas.openxmlformats.org/markup-compatibility/2006" xmlns:p14="http://schemas.microsoft.com/office/powerpoint/2010/main">
+    <mc:Choice Requires="p14">
+      <p:transition p14:dur="250">
+        <p:fade/>
+      </p:transition>
+    </mc:Choice>
+    <mc:Fallback xmlns="">
+      <p:transition>
+        <p:fade/>
+      </p:transition>
+    </mc:Fallback>
+  </mc:AlternateContent>
 </p:sldLayout>
 </file>
 
@@ -1300,64 +3496,72 @@
         </p:nvSpPr>
         <p:spPr/>
         <p:txBody>
+          <a:bodyPr>
+            <a:normAutofit/>
+          </a:bodyPr>
+          <a:lstStyle>
+            <a:lvl1pPr>
+              <a:defRPr sz="2700"/>
+            </a:lvl1pPr>
+          </a:lstStyle>
+          <a:p>
+            <a:r>
+              <a:rPr lang="en-US" altLang="zh-CN"/>
+              <a:t>Click to edit Master title style</a:t>
+            </a:r>
+            <a:endParaRPr lang="en-US" dirty="0"/>
+          </a:p>
+        </p:txBody>
+      </p:sp>
+      <p:sp>
+        <p:nvSpPr>
+          <p:cNvPr id="3" name="Content Placeholder 2"/>
+          <p:cNvSpPr>
+            <a:spLocks noGrp="1"/>
+          </p:cNvSpPr>
+          <p:nvPr>
+            <p:ph idx="1"/>
+          </p:nvPr>
+        </p:nvSpPr>
+        <p:spPr/>
+        <p:txBody>
           <a:bodyPr/>
           <a:lstStyle/>
           <a:p>
-            <a:r>
-              <a:rPr lang="en-US"/>
-              <a:t>Click to edit Master title style</a:t>
-            </a:r>
-          </a:p>
-        </p:txBody>
-      </p:sp>
-      <p:sp>
-        <p:nvSpPr>
-          <p:cNvPr id="3" name="Content Placeholder 2"/>
-          <p:cNvSpPr>
-            <a:spLocks noGrp="1"/>
-          </p:cNvSpPr>
-          <p:nvPr>
-            <p:ph idx="1"/>
-          </p:nvPr>
-        </p:nvSpPr>
-        <p:spPr/>
-        <p:txBody>
-          <a:bodyPr/>
-          <a:lstStyle/>
-          <a:p>
             <a:pPr lvl="0"/>
             <a:r>
-              <a:rPr lang="en-US"/>
+              <a:rPr lang="en-US" altLang="zh-CN"/>
               <a:t>Click to edit Master text styles</a:t>
             </a:r>
           </a:p>
           <a:p>
             <a:pPr lvl="1"/>
             <a:r>
-              <a:rPr lang="en-US"/>
+              <a:rPr lang="en-US" altLang="zh-CN"/>
               <a:t>Second level</a:t>
             </a:r>
           </a:p>
           <a:p>
             <a:pPr lvl="2"/>
             <a:r>
-              <a:rPr lang="en-US"/>
+              <a:rPr lang="en-US" altLang="zh-CN"/>
               <a:t>Third level</a:t>
             </a:r>
           </a:p>
           <a:p>
             <a:pPr lvl="3"/>
             <a:r>
-              <a:rPr lang="en-US"/>
+              <a:rPr lang="en-US" altLang="zh-CN"/>
               <a:t>Fourth level</a:t>
             </a:r>
           </a:p>
           <a:p>
             <a:pPr lvl="4"/>
             <a:r>
-              <a:rPr lang="en-US"/>
+              <a:rPr lang="en-US" altLang="zh-CN"/>
               <a:t>Fifth level</a:t>
             </a:r>
+            <a:endParaRPr lang="en-US" dirty="0"/>
           </a:p>
         </p:txBody>
       </p:sp>
@@ -1378,7 +3582,7 @@
           <a:p>
             <a:fld id="{241EB5C9-1307-BA42-ABA2-0BC069CD8E7F}" type="datetimeFigureOut">
               <a:rPr lang="en-US" smtClean="0"/>
-              <a:t>1/2/22</a:t>
+              <a:t>12/25/2025</a:t>
             </a:fld>
             <a:endParaRPr lang="en-US"/>
           </a:p>
@@ -1429,13 +3633,25 @@
     </p:spTree>
     <p:extLst>
       <p:ext uri="{BB962C8B-B14F-4D97-AF65-F5344CB8AC3E}">
-        <p14:creationId xmlns:p14="http://schemas.microsoft.com/office/powerpoint/2010/main" val="338346009"/>
+        <p14:creationId xmlns:p14="http://schemas.microsoft.com/office/powerpoint/2010/main" val="1888235248"/>
       </p:ext>
     </p:extLst>
   </p:cSld>
   <p:clrMapOvr>
     <a:masterClrMapping/>
   </p:clrMapOvr>
+  <mc:AlternateContent xmlns:mc="http://schemas.openxmlformats.org/markup-compatibility/2006" xmlns:p14="http://schemas.microsoft.com/office/powerpoint/2010/main">
+    <mc:Choice Requires="p14">
+      <p:transition p14:dur="250">
+        <p:fade/>
+      </p:transition>
+    </mc:Choice>
+    <mc:Fallback xmlns="">
+      <p:transition>
+        <p:fade/>
+      </p:transition>
+    </mc:Fallback>
+  </mc:AlternateContent>
 </p:sldLayout>
 </file>
 
@@ -1468,50 +3684,52 @@
         </p:nvSpPr>
         <p:spPr>
           <a:xfrm>
-            <a:off x="722313" y="3305176"/>
-            <a:ext cx="7772400" cy="1021556"/>
+            <a:off x="508001" y="2025651"/>
+            <a:ext cx="6447501" cy="1369936"/>
           </a:xfrm>
         </p:spPr>
         <p:txBody>
+          <a:bodyPr anchor="b"/>
+          <a:lstStyle>
+            <a:lvl1pPr algn="l">
+              <a:defRPr sz="3000" b="0" cap="none"/>
+            </a:lvl1pPr>
+          </a:lstStyle>
+          <a:p>
+            <a:r>
+              <a:rPr lang="en-US" altLang="zh-CN"/>
+              <a:t>Click to edit Master title style</a:t>
+            </a:r>
+            <a:endParaRPr lang="en-US" dirty="0"/>
+          </a:p>
+        </p:txBody>
+      </p:sp>
+      <p:sp>
+        <p:nvSpPr>
+          <p:cNvPr id="3" name="Text Placeholder 2"/>
+          <p:cNvSpPr>
+            <a:spLocks noGrp="1"/>
+          </p:cNvSpPr>
+          <p:nvPr>
+            <p:ph type="body" idx="1"/>
+          </p:nvPr>
+        </p:nvSpPr>
+        <p:spPr>
+          <a:xfrm>
+            <a:off x="508001" y="3395586"/>
+            <a:ext cx="6447501" cy="645300"/>
+          </a:xfrm>
+        </p:spPr>
+        <p:txBody>
           <a:bodyPr anchor="t"/>
           <a:lstStyle>
-            <a:lvl1pPr algn="l">
-              <a:defRPr sz="3000" b="1" cap="all"/>
-            </a:lvl1pPr>
-          </a:lstStyle>
-          <a:p>
-            <a:r>
-              <a:rPr lang="en-US"/>
-              <a:t>Click to edit Master title style</a:t>
-            </a:r>
-          </a:p>
-        </p:txBody>
-      </p:sp>
-      <p:sp>
-        <p:nvSpPr>
-          <p:cNvPr id="3" name="Text Placeholder 2"/>
-          <p:cNvSpPr>
-            <a:spLocks noGrp="1"/>
-          </p:cNvSpPr>
-          <p:nvPr>
-            <p:ph type="body" idx="1"/>
-          </p:nvPr>
-        </p:nvSpPr>
-        <p:spPr>
-          <a:xfrm>
-            <a:off x="722313" y="2180035"/>
-            <a:ext cx="7772400" cy="1125140"/>
-          </a:xfrm>
-        </p:spPr>
-        <p:txBody>
-          <a:bodyPr anchor="b"/>
-          <a:lstStyle>
-            <a:lvl1pPr marL="0" indent="0">
+            <a:lvl1pPr marL="0" indent="0" algn="l">
               <a:buNone/>
               <a:defRPr sz="1500">
                 <a:solidFill>
                   <a:schemeClr val="tx1">
-                    <a:tint val="75000"/>
+                    <a:lumMod val="50000"/>
+                    <a:lumOff val="50000"/>
                   </a:schemeClr>
                 </a:solidFill>
               </a:defRPr>
@@ -1600,7 +3818,7 @@
           <a:p>
             <a:pPr lvl="0"/>
             <a:r>
-              <a:rPr lang="en-US"/>
+              <a:rPr lang="en-US" altLang="zh-CN"/>
               <a:t>Click to edit Master text styles</a:t>
             </a:r>
           </a:p>
@@ -1623,7 +3841,7 @@
           <a:p>
             <a:fld id="{241EB5C9-1307-BA42-ABA2-0BC069CD8E7F}" type="datetimeFigureOut">
               <a:rPr lang="en-US" smtClean="0"/>
-              <a:t>1/2/22</a:t>
+              <a:t>12/25/2025</a:t>
             </a:fld>
             <a:endParaRPr lang="en-US"/>
           </a:p>
@@ -1674,13 +3892,25 @@
     </p:spTree>
     <p:extLst>
       <p:ext uri="{BB962C8B-B14F-4D97-AF65-F5344CB8AC3E}">
-        <p14:creationId xmlns:p14="http://schemas.microsoft.com/office/powerpoint/2010/main" val="1073069076"/>
+        <p14:creationId xmlns:p14="http://schemas.microsoft.com/office/powerpoint/2010/main" val="3220716721"/>
       </p:ext>
     </p:extLst>
   </p:cSld>
   <p:clrMapOvr>
     <a:masterClrMapping/>
   </p:clrMapOvr>
+  <mc:AlternateContent xmlns:mc="http://schemas.openxmlformats.org/markup-compatibility/2006" xmlns:p14="http://schemas.microsoft.com/office/powerpoint/2010/main">
+    <mc:Choice Requires="p14">
+      <p:transition p14:dur="250">
+        <p:fade/>
+      </p:transition>
+    </mc:Choice>
+    <mc:Fallback xmlns="">
+      <p:transition>
+        <p:fade/>
+      </p:transition>
+    </mc:Fallback>
+  </mc:AlternateContent>
 </p:sldLayout>
 </file>
 
@@ -1717,9 +3947,10 @@
           <a:lstStyle/>
           <a:p>
             <a:r>
-              <a:rPr lang="en-US"/>
+              <a:rPr lang="en-US" altLang="zh-CN"/>
               <a:t>Click to edit Master title style</a:t>
             </a:r>
+            <a:endParaRPr lang="en-US" dirty="0"/>
           </a:p>
         </p:txBody>
       </p:sp>
@@ -1735,75 +3966,48 @@
         </p:nvSpPr>
         <p:spPr>
           <a:xfrm>
-            <a:off x="457200" y="1200151"/>
-            <a:ext cx="4038600" cy="3394472"/>
+            <a:off x="508001" y="1620442"/>
+            <a:ext cx="3138026" cy="2910579"/>
           </a:xfrm>
         </p:spPr>
         <p:txBody>
           <a:bodyPr/>
-          <a:lstStyle>
-            <a:lvl1pPr>
-              <a:defRPr sz="2100"/>
-            </a:lvl1pPr>
-            <a:lvl2pPr>
-              <a:defRPr sz="1800"/>
-            </a:lvl2pPr>
-            <a:lvl3pPr>
-              <a:defRPr sz="1500"/>
-            </a:lvl3pPr>
-            <a:lvl4pPr>
-              <a:defRPr sz="1350"/>
-            </a:lvl4pPr>
-            <a:lvl5pPr>
-              <a:defRPr sz="1350"/>
-            </a:lvl5pPr>
-            <a:lvl6pPr>
-              <a:defRPr sz="1350"/>
-            </a:lvl6pPr>
-            <a:lvl7pPr>
-              <a:defRPr sz="1350"/>
-            </a:lvl7pPr>
-            <a:lvl8pPr>
-              <a:defRPr sz="1350"/>
-            </a:lvl8pPr>
-            <a:lvl9pPr>
-              <a:defRPr sz="1350"/>
-            </a:lvl9pPr>
-          </a:lstStyle>
+          <a:lstStyle/>
           <a:p>
             <a:pPr lvl="0"/>
             <a:r>
-              <a:rPr lang="en-US"/>
+              <a:rPr lang="en-US" altLang="zh-CN"/>
               <a:t>Click to edit Master text styles</a:t>
             </a:r>
           </a:p>
           <a:p>
             <a:pPr lvl="1"/>
             <a:r>
-              <a:rPr lang="en-US"/>
+              <a:rPr lang="en-US" altLang="zh-CN"/>
               <a:t>Second level</a:t>
             </a:r>
           </a:p>
           <a:p>
             <a:pPr lvl="2"/>
             <a:r>
-              <a:rPr lang="en-US"/>
+              <a:rPr lang="en-US" altLang="zh-CN"/>
               <a:t>Third level</a:t>
             </a:r>
           </a:p>
           <a:p>
             <a:pPr lvl="3"/>
             <a:r>
-              <a:rPr lang="en-US"/>
+              <a:rPr lang="en-US" altLang="zh-CN"/>
               <a:t>Fourth level</a:t>
             </a:r>
           </a:p>
           <a:p>
             <a:pPr lvl="4"/>
             <a:r>
-              <a:rPr lang="en-US"/>
+              <a:rPr lang="en-US" altLang="zh-CN"/>
               <a:t>Fifth level</a:t>
             </a:r>
+            <a:endParaRPr lang="en-US" dirty="0"/>
           </a:p>
         </p:txBody>
       </p:sp>
@@ -1819,75 +4023,48 @@
         </p:nvSpPr>
         <p:spPr>
           <a:xfrm>
-            <a:off x="4648200" y="1200151"/>
-            <a:ext cx="4038600" cy="3394472"/>
+            <a:off x="3817477" y="1620442"/>
+            <a:ext cx="3138026" cy="2910580"/>
           </a:xfrm>
         </p:spPr>
         <p:txBody>
           <a:bodyPr/>
-          <a:lstStyle>
-            <a:lvl1pPr>
-              <a:defRPr sz="2100"/>
-            </a:lvl1pPr>
-            <a:lvl2pPr>
-              <a:defRPr sz="1800"/>
-            </a:lvl2pPr>
-            <a:lvl3pPr>
-              <a:defRPr sz="1500"/>
-            </a:lvl3pPr>
-            <a:lvl4pPr>
-              <a:defRPr sz="1350"/>
-            </a:lvl4pPr>
-            <a:lvl5pPr>
-              <a:defRPr sz="1350"/>
-            </a:lvl5pPr>
-            <a:lvl6pPr>
-              <a:defRPr sz="1350"/>
-            </a:lvl6pPr>
-            <a:lvl7pPr>
-              <a:defRPr sz="1350"/>
-            </a:lvl7pPr>
-            <a:lvl8pPr>
-              <a:defRPr sz="1350"/>
-            </a:lvl8pPr>
-            <a:lvl9pPr>
-              <a:defRPr sz="1350"/>
-            </a:lvl9pPr>
-          </a:lstStyle>
+          <a:lstStyle/>
           <a:p>
             <a:pPr lvl="0"/>
             <a:r>
-              <a:rPr lang="en-US"/>
+              <a:rPr lang="en-US" altLang="zh-CN"/>
               <a:t>Click to edit Master text styles</a:t>
             </a:r>
           </a:p>
           <a:p>
             <a:pPr lvl="1"/>
             <a:r>
-              <a:rPr lang="en-US"/>
+              <a:rPr lang="en-US" altLang="zh-CN"/>
               <a:t>Second level</a:t>
             </a:r>
           </a:p>
           <a:p>
             <a:pPr lvl="2"/>
             <a:r>
-              <a:rPr lang="en-US"/>
+              <a:rPr lang="en-US" altLang="zh-CN"/>
               <a:t>Third level</a:t>
             </a:r>
           </a:p>
           <a:p>
             <a:pPr lvl="3"/>
             <a:r>
-              <a:rPr lang="en-US"/>
+              <a:rPr lang="en-US" altLang="zh-CN"/>
               <a:t>Fourth level</a:t>
             </a:r>
           </a:p>
           <a:p>
             <a:pPr lvl="4"/>
             <a:r>
-              <a:rPr lang="en-US"/>
+              <a:rPr lang="en-US" altLang="zh-CN"/>
               <a:t>Fifth level</a:t>
             </a:r>
+            <a:endParaRPr lang="en-US" dirty="0"/>
           </a:p>
         </p:txBody>
       </p:sp>
@@ -1908,7 +4085,7 @@
           <a:p>
             <a:fld id="{241EB5C9-1307-BA42-ABA2-0BC069CD8E7F}" type="datetimeFigureOut">
               <a:rPr lang="en-US" smtClean="0"/>
-              <a:t>1/2/22</a:t>
+              <a:t>12/25/2025</a:t>
             </a:fld>
             <a:endParaRPr lang="en-US"/>
           </a:p>
@@ -1959,13 +4136,25 @@
     </p:spTree>
     <p:extLst>
       <p:ext uri="{BB962C8B-B14F-4D97-AF65-F5344CB8AC3E}">
-        <p14:creationId xmlns:p14="http://schemas.microsoft.com/office/powerpoint/2010/main" val="2619886245"/>
+        <p14:creationId xmlns:p14="http://schemas.microsoft.com/office/powerpoint/2010/main" val="2655461036"/>
       </p:ext>
     </p:extLst>
   </p:cSld>
   <p:clrMapOvr>
     <a:masterClrMapping/>
   </p:clrMapOvr>
+  <mc:AlternateContent xmlns:mc="http://schemas.openxmlformats.org/markup-compatibility/2006" xmlns:p14="http://schemas.microsoft.com/office/powerpoint/2010/main">
+    <mc:Choice Requires="p14">
+      <p:transition p14:dur="250">
+        <p:fade/>
+      </p:transition>
+    </mc:Choice>
+    <mc:Fallback xmlns="">
+      <p:transition>
+        <p:fade/>
+      </p:transition>
+    </mc:Fallback>
+  </mc:AlternateContent>
 </p:sldLayout>
 </file>
 
@@ -2006,9 +4195,10 @@
           </a:lstStyle>
           <a:p>
             <a:r>
-              <a:rPr lang="en-US"/>
+              <a:rPr lang="en-US" altLang="zh-CN"/>
               <a:t>Click to edit Master title style</a:t>
             </a:r>
+            <a:endParaRPr lang="en-US" dirty="0"/>
           </a:p>
         </p:txBody>
       </p:sp>
@@ -2024,16 +4214,18 @@
         </p:nvSpPr>
         <p:spPr>
           <a:xfrm>
-            <a:off x="457200" y="1151335"/>
-            <a:ext cx="4040188" cy="479822"/>
+            <a:off x="506809" y="1620737"/>
+            <a:ext cx="3139217" cy="432197"/>
           </a:xfrm>
         </p:spPr>
         <p:txBody>
-          <a:bodyPr anchor="b"/>
+          <a:bodyPr anchor="b">
+            <a:noAutofit/>
+          </a:bodyPr>
           <a:lstStyle>
             <a:lvl1pPr marL="0" indent="0">
               <a:buNone/>
-              <a:defRPr sz="1800" b="1"/>
+              <a:defRPr sz="1800" b="0"/>
             </a:lvl1pPr>
             <a:lvl2pPr marL="342900" indent="0">
               <a:buNone/>
@@ -2071,7 +4263,7 @@
           <a:p>
             <a:pPr lvl="0"/>
             <a:r>
-              <a:rPr lang="en-US"/>
+              <a:rPr lang="en-US" altLang="zh-CN"/>
               <a:t>Click to edit Master text styles</a:t>
             </a:r>
           </a:p>
@@ -2089,75 +4281,50 @@
         </p:nvSpPr>
         <p:spPr>
           <a:xfrm>
-            <a:off x="457200" y="1631156"/>
-            <a:ext cx="4040188" cy="2963466"/>
+            <a:off x="506809" y="2052934"/>
+            <a:ext cx="3139217" cy="2478088"/>
           </a:xfrm>
         </p:spPr>
         <p:txBody>
-          <a:bodyPr/>
-          <a:lstStyle>
-            <a:lvl1pPr>
-              <a:defRPr sz="1800"/>
-            </a:lvl1pPr>
-            <a:lvl2pPr>
-              <a:defRPr sz="1500"/>
-            </a:lvl2pPr>
-            <a:lvl3pPr>
-              <a:defRPr sz="1350"/>
-            </a:lvl3pPr>
-            <a:lvl4pPr>
-              <a:defRPr sz="1200"/>
-            </a:lvl4pPr>
-            <a:lvl5pPr>
-              <a:defRPr sz="1200"/>
-            </a:lvl5pPr>
-            <a:lvl6pPr>
-              <a:defRPr sz="1200"/>
-            </a:lvl6pPr>
-            <a:lvl7pPr>
-              <a:defRPr sz="1200"/>
-            </a:lvl7pPr>
-            <a:lvl8pPr>
-              <a:defRPr sz="1200"/>
-            </a:lvl8pPr>
-            <a:lvl9pPr>
-              <a:defRPr sz="1200"/>
-            </a:lvl9pPr>
-          </a:lstStyle>
+          <a:bodyPr>
+            <a:normAutofit/>
+          </a:bodyPr>
+          <a:lstStyle/>
           <a:p>
             <a:pPr lvl="0"/>
             <a:r>
-              <a:rPr lang="en-US"/>
+              <a:rPr lang="en-US" altLang="zh-CN"/>
               <a:t>Click to edit Master text styles</a:t>
             </a:r>
           </a:p>
           <a:p>
             <a:pPr lvl="1"/>
             <a:r>
-              <a:rPr lang="en-US"/>
+              <a:rPr lang="en-US" altLang="zh-CN"/>
               <a:t>Second level</a:t>
             </a:r>
           </a:p>
           <a:p>
             <a:pPr lvl="2"/>
             <a:r>
-              <a:rPr lang="en-US"/>
+              <a:rPr lang="en-US" altLang="zh-CN"/>
               <a:t>Third level</a:t>
             </a:r>
           </a:p>
           <a:p>
             <a:pPr lvl="3"/>
             <a:r>
-              <a:rPr lang="en-US"/>
+              <a:rPr lang="en-US" altLang="zh-CN"/>
               <a:t>Fourth level</a:t>
             </a:r>
           </a:p>
           <a:p>
             <a:pPr lvl="4"/>
             <a:r>
-              <a:rPr lang="en-US"/>
+              <a:rPr lang="en-US" altLang="zh-CN"/>
               <a:t>Fifth level</a:t>
             </a:r>
+            <a:endParaRPr lang="en-US" dirty="0"/>
           </a:p>
         </p:txBody>
       </p:sp>
@@ -2173,16 +4340,18 @@
         </p:nvSpPr>
         <p:spPr>
           <a:xfrm>
-            <a:off x="4645026" y="1151335"/>
-            <a:ext cx="4041775" cy="479822"/>
+            <a:off x="3816287" y="1620737"/>
+            <a:ext cx="3139214" cy="432197"/>
           </a:xfrm>
         </p:spPr>
         <p:txBody>
-          <a:bodyPr anchor="b"/>
+          <a:bodyPr anchor="b">
+            <a:noAutofit/>
+          </a:bodyPr>
           <a:lstStyle>
             <a:lvl1pPr marL="0" indent="0">
               <a:buNone/>
-              <a:defRPr sz="1800" b="1"/>
+              <a:defRPr sz="1800" b="0"/>
             </a:lvl1pPr>
             <a:lvl2pPr marL="342900" indent="0">
               <a:buNone/>
@@ -2220,7 +4389,7 @@
           <a:p>
             <a:pPr lvl="0"/>
             <a:r>
-              <a:rPr lang="en-US"/>
+              <a:rPr lang="en-US" altLang="zh-CN"/>
               <a:t>Click to edit Master text styles</a:t>
             </a:r>
           </a:p>
@@ -2238,75 +4407,50 @@
         </p:nvSpPr>
         <p:spPr>
           <a:xfrm>
-            <a:off x="4645026" y="1631156"/>
-            <a:ext cx="4041775" cy="2963466"/>
+            <a:off x="3816288" y="2052934"/>
+            <a:ext cx="3139213" cy="2478088"/>
           </a:xfrm>
         </p:spPr>
         <p:txBody>
-          <a:bodyPr/>
-          <a:lstStyle>
-            <a:lvl1pPr>
-              <a:defRPr sz="1800"/>
-            </a:lvl1pPr>
-            <a:lvl2pPr>
-              <a:defRPr sz="1500"/>
-            </a:lvl2pPr>
-            <a:lvl3pPr>
-              <a:defRPr sz="1350"/>
-            </a:lvl3pPr>
-            <a:lvl4pPr>
-              <a:defRPr sz="1200"/>
-            </a:lvl4pPr>
-            <a:lvl5pPr>
-              <a:defRPr sz="1200"/>
-            </a:lvl5pPr>
-            <a:lvl6pPr>
-              <a:defRPr sz="1200"/>
-            </a:lvl6pPr>
-            <a:lvl7pPr>
-              <a:defRPr sz="1200"/>
-            </a:lvl7pPr>
-            <a:lvl8pPr>
-              <a:defRPr sz="1200"/>
-            </a:lvl8pPr>
-            <a:lvl9pPr>
-              <a:defRPr sz="1200"/>
-            </a:lvl9pPr>
-          </a:lstStyle>
+          <a:bodyPr>
+            <a:normAutofit/>
+          </a:bodyPr>
+          <a:lstStyle/>
           <a:p>
             <a:pPr lvl="0"/>
             <a:r>
-              <a:rPr lang="en-US"/>
+              <a:rPr lang="en-US" altLang="zh-CN"/>
               <a:t>Click to edit Master text styles</a:t>
             </a:r>
           </a:p>
           <a:p>
             <a:pPr lvl="1"/>
             <a:r>
-              <a:rPr lang="en-US"/>
+              <a:rPr lang="en-US" altLang="zh-CN"/>
               <a:t>Second level</a:t>
             </a:r>
           </a:p>
           <a:p>
             <a:pPr lvl="2"/>
             <a:r>
-              <a:rPr lang="en-US"/>
+              <a:rPr lang="en-US" altLang="zh-CN"/>
               <a:t>Third level</a:t>
             </a:r>
           </a:p>
           <a:p>
             <a:pPr lvl="3"/>
             <a:r>
-              <a:rPr lang="en-US"/>
+              <a:rPr lang="en-US" altLang="zh-CN"/>
               <a:t>Fourth level</a:t>
             </a:r>
           </a:p>
           <a:p>
             <a:pPr lvl="4"/>
             <a:r>
-              <a:rPr lang="en-US"/>
+              <a:rPr lang="en-US" altLang="zh-CN"/>
               <a:t>Fifth level</a:t>
             </a:r>
+            <a:endParaRPr lang="en-US" dirty="0"/>
           </a:p>
         </p:txBody>
       </p:sp>
@@ -2327,7 +4471,7 @@
           <a:p>
             <a:fld id="{241EB5C9-1307-BA42-ABA2-0BC069CD8E7F}" type="datetimeFigureOut">
               <a:rPr lang="en-US" smtClean="0"/>
-              <a:t>1/2/22</a:t>
+              <a:t>12/25/2025</a:t>
             </a:fld>
             <a:endParaRPr lang="en-US"/>
           </a:p>
@@ -2378,13 +4522,25 @@
     </p:spTree>
     <p:extLst>
       <p:ext uri="{BB962C8B-B14F-4D97-AF65-F5344CB8AC3E}">
-        <p14:creationId xmlns:p14="http://schemas.microsoft.com/office/powerpoint/2010/main" val="2535793967"/>
+        <p14:creationId xmlns:p14="http://schemas.microsoft.com/office/powerpoint/2010/main" val="2328738179"/>
       </p:ext>
     </p:extLst>
   </p:cSld>
   <p:clrMapOvr>
     <a:masterClrMapping/>
   </p:clrMapOvr>
+  <mc:AlternateContent xmlns:mc="http://schemas.openxmlformats.org/markup-compatibility/2006" xmlns:p14="http://schemas.microsoft.com/office/powerpoint/2010/main">
+    <mc:Choice Requires="p14">
+      <p:transition p14:dur="250">
+        <p:fade/>
+      </p:transition>
+    </mc:Choice>
+    <mc:Fallback xmlns="">
+      <p:transition>
+        <p:fade/>
+      </p:transition>
+    </mc:Fallback>
+  </mc:AlternateContent>
 </p:sldLayout>
 </file>
 
@@ -2415,15 +4571,21 @@
             <p:ph type="title"/>
           </p:nvPr>
         </p:nvSpPr>
-        <p:spPr/>
+        <p:spPr>
+          <a:xfrm>
+            <a:off x="508001" y="457200"/>
+            <a:ext cx="6447501" cy="990600"/>
+          </a:xfrm>
+        </p:spPr>
         <p:txBody>
           <a:bodyPr/>
           <a:lstStyle/>
           <a:p>
             <a:r>
-              <a:rPr lang="en-US"/>
+              <a:rPr lang="en-US" altLang="zh-CN"/>
               <a:t>Click to edit Master title style</a:t>
             </a:r>
+            <a:endParaRPr lang="en-US" dirty="0"/>
           </a:p>
         </p:txBody>
       </p:sp>
@@ -2444,7 +4606,7 @@
           <a:p>
             <a:fld id="{241EB5C9-1307-BA42-ABA2-0BC069CD8E7F}" type="datetimeFigureOut">
               <a:rPr lang="en-US" smtClean="0"/>
-              <a:t>1/2/22</a:t>
+              <a:t>12/25/2025</a:t>
             </a:fld>
             <a:endParaRPr lang="en-US"/>
           </a:p>
@@ -2495,13 +4657,25 @@
     </p:spTree>
     <p:extLst>
       <p:ext uri="{BB962C8B-B14F-4D97-AF65-F5344CB8AC3E}">
-        <p14:creationId xmlns:p14="http://schemas.microsoft.com/office/powerpoint/2010/main" val="3472721253"/>
+        <p14:creationId xmlns:p14="http://schemas.microsoft.com/office/powerpoint/2010/main" val="747726713"/>
       </p:ext>
     </p:extLst>
   </p:cSld>
   <p:clrMapOvr>
     <a:masterClrMapping/>
   </p:clrMapOvr>
+  <mc:AlternateContent xmlns:mc="http://schemas.openxmlformats.org/markup-compatibility/2006" xmlns:p14="http://schemas.microsoft.com/office/powerpoint/2010/main">
+    <mc:Choice Requires="p14">
+      <p:transition p14:dur="250">
+        <p:fade/>
+      </p:transition>
+    </mc:Choice>
+    <mc:Fallback xmlns="">
+      <p:transition>
+        <p:fade/>
+      </p:transition>
+    </mc:Fallback>
+  </mc:AlternateContent>
 </p:sldLayout>
 </file>
 
@@ -2539,7 +4713,7 @@
           <a:p>
             <a:fld id="{241EB5C9-1307-BA42-ABA2-0BC069CD8E7F}" type="datetimeFigureOut">
               <a:rPr lang="en-US" smtClean="0"/>
-              <a:t>1/2/22</a:t>
+              <a:t>12/25/2025</a:t>
             </a:fld>
             <a:endParaRPr lang="en-US"/>
           </a:p>
@@ -2590,13 +4764,25 @@
     </p:spTree>
     <p:extLst>
       <p:ext uri="{BB962C8B-B14F-4D97-AF65-F5344CB8AC3E}">
-        <p14:creationId xmlns:p14="http://schemas.microsoft.com/office/powerpoint/2010/main" val="2130901097"/>
+        <p14:creationId xmlns:p14="http://schemas.microsoft.com/office/powerpoint/2010/main" val="137998838"/>
       </p:ext>
     </p:extLst>
   </p:cSld>
   <p:clrMapOvr>
     <a:masterClrMapping/>
   </p:clrMapOvr>
+  <mc:AlternateContent xmlns:mc="http://schemas.openxmlformats.org/markup-compatibility/2006" xmlns:p14="http://schemas.microsoft.com/office/powerpoint/2010/main">
+    <mc:Choice Requires="p14">
+      <p:transition p14:dur="250">
+        <p:fade/>
+      </p:transition>
+    </mc:Choice>
+    <mc:Fallback xmlns="">
+      <p:transition>
+        <p:fade/>
+      </p:transition>
+    </mc:Fallback>
+  </mc:AlternateContent>
 </p:sldLayout>
 </file>
 
@@ -2629,22 +4815,25 @@
         </p:nvSpPr>
         <p:spPr>
           <a:xfrm>
-            <a:off x="457201" y="204787"/>
-            <a:ext cx="3008313" cy="871538"/>
+            <a:off x="508001" y="1123953"/>
+            <a:ext cx="2890896" cy="958850"/>
           </a:xfrm>
         </p:spPr>
         <p:txBody>
-          <a:bodyPr anchor="b"/>
+          <a:bodyPr anchor="b">
+            <a:normAutofit/>
+          </a:bodyPr>
           <a:lstStyle>
-            <a:lvl1pPr algn="l">
-              <a:defRPr sz="1500" b="1"/>
+            <a:lvl1pPr>
+              <a:defRPr sz="1500"/>
             </a:lvl1pPr>
           </a:lstStyle>
           <a:p>
             <a:r>
-              <a:rPr lang="en-US"/>
+              <a:rPr lang="en-US" altLang="zh-CN"/>
               <a:t>Click to edit Master title style</a:t>
             </a:r>
+            <a:endParaRPr lang="en-US" dirty="0"/>
           </a:p>
         </p:txBody>
       </p:sp>
@@ -2660,138 +4849,115 @@
         </p:nvSpPr>
         <p:spPr>
           <a:xfrm>
-            <a:off x="3575050" y="204788"/>
-            <a:ext cx="5111750" cy="4389835"/>
+            <a:off x="3570346" y="386193"/>
+            <a:ext cx="3385156" cy="4144828"/>
           </a:xfrm>
         </p:spPr>
         <p:txBody>
-          <a:bodyPr/>
+          <a:bodyPr>
+            <a:normAutofit/>
+          </a:bodyPr>
+          <a:lstStyle/>
+          <a:p>
+            <a:pPr lvl="0"/>
+            <a:r>
+              <a:rPr lang="en-US" altLang="zh-CN"/>
+              <a:t>Click to edit Master text styles</a:t>
+            </a:r>
+          </a:p>
+          <a:p>
+            <a:pPr lvl="1"/>
+            <a:r>
+              <a:rPr lang="en-US" altLang="zh-CN"/>
+              <a:t>Second level</a:t>
+            </a:r>
+          </a:p>
+          <a:p>
+            <a:pPr lvl="2"/>
+            <a:r>
+              <a:rPr lang="en-US" altLang="zh-CN"/>
+              <a:t>Third level</a:t>
+            </a:r>
+          </a:p>
+          <a:p>
+            <a:pPr lvl="3"/>
+            <a:r>
+              <a:rPr lang="en-US" altLang="zh-CN"/>
+              <a:t>Fourth level</a:t>
+            </a:r>
+          </a:p>
+          <a:p>
+            <a:pPr lvl="4"/>
+            <a:r>
+              <a:rPr lang="en-US" altLang="zh-CN"/>
+              <a:t>Fifth level</a:t>
+            </a:r>
+            <a:endParaRPr lang="en-US" dirty="0"/>
+          </a:p>
+        </p:txBody>
+      </p:sp>
+      <p:sp>
+        <p:nvSpPr>
+          <p:cNvPr id="4" name="Text Placeholder 3"/>
+          <p:cNvSpPr>
+            <a:spLocks noGrp="1"/>
+          </p:cNvSpPr>
+          <p:nvPr>
+            <p:ph type="body" sz="half" idx="2"/>
+          </p:nvPr>
+        </p:nvSpPr>
+        <p:spPr>
+          <a:xfrm>
+            <a:off x="508001" y="2082802"/>
+            <a:ext cx="2890896" cy="1938337"/>
+          </a:xfrm>
+        </p:spPr>
+        <p:txBody>
+          <a:bodyPr>
+            <a:normAutofit/>
+          </a:bodyPr>
           <a:lstStyle>
-            <a:lvl1pPr>
-              <a:defRPr sz="2400"/>
+            <a:lvl1pPr marL="0" indent="0">
+              <a:buNone/>
+              <a:defRPr sz="1050"/>
             </a:lvl1pPr>
-            <a:lvl2pPr>
-              <a:defRPr sz="2100"/>
+            <a:lvl2pPr marL="342797" indent="0">
+              <a:buNone/>
+              <a:defRPr sz="1050"/>
             </a:lvl2pPr>
-            <a:lvl3pPr>
-              <a:defRPr sz="1800"/>
+            <a:lvl3pPr marL="685595" indent="0">
+              <a:buNone/>
+              <a:defRPr sz="900"/>
             </a:lvl3pPr>
-            <a:lvl4pPr>
-              <a:defRPr sz="1500"/>
+            <a:lvl4pPr marL="1028392" indent="0">
+              <a:buNone/>
+              <a:defRPr sz="750"/>
             </a:lvl4pPr>
-            <a:lvl5pPr>
-              <a:defRPr sz="1500"/>
+            <a:lvl5pPr marL="1371188" indent="0">
+              <a:buNone/>
+              <a:defRPr sz="750"/>
             </a:lvl5pPr>
-            <a:lvl6pPr>
-              <a:defRPr sz="1500"/>
+            <a:lvl6pPr marL="1713986" indent="0">
+              <a:buNone/>
+              <a:defRPr sz="750"/>
             </a:lvl6pPr>
-            <a:lvl7pPr>
-              <a:defRPr sz="1500"/>
+            <a:lvl7pPr marL="2056783" indent="0">
+              <a:buNone/>
+              <a:defRPr sz="750"/>
             </a:lvl7pPr>
-            <a:lvl8pPr>
-              <a:defRPr sz="1500"/>
+            <a:lvl8pPr marL="2399580" indent="0">
+              <a:buNone/>
+              <a:defRPr sz="750"/>
             </a:lvl8pPr>
-            <a:lvl9pPr>
-              <a:defRPr sz="1500"/>
+            <a:lvl9pPr marL="2742377" indent="0">
+              <a:buNone/>
+              <a:defRPr sz="750"/>
             </a:lvl9pPr>
           </a:lstStyle>
           <a:p>
             <a:pPr lvl="0"/>
             <a:r>
-              <a:rPr lang="en-US"/>
-              <a:t>Click to edit Master text styles</a:t>
-            </a:r>
-          </a:p>
-          <a:p>
-            <a:pPr lvl="1"/>
-            <a:r>
-              <a:rPr lang="en-US"/>
-              <a:t>Second level</a:t>
-            </a:r>
-          </a:p>
-          <a:p>
-            <a:pPr lvl="2"/>
-            <a:r>
-              <a:rPr lang="en-US"/>
-              <a:t>Third level</a:t>
-            </a:r>
-          </a:p>
-          <a:p>
-            <a:pPr lvl="3"/>
-            <a:r>
-              <a:rPr lang="en-US"/>
-              <a:t>Fourth level</a:t>
-            </a:r>
-          </a:p>
-          <a:p>
-            <a:pPr lvl="4"/>
-            <a:r>
-              <a:rPr lang="en-US"/>
-              <a:t>Fifth level</a:t>
-            </a:r>
-          </a:p>
-        </p:txBody>
-      </p:sp>
-      <p:sp>
-        <p:nvSpPr>
-          <p:cNvPr id="4" name="Text Placeholder 3"/>
-          <p:cNvSpPr>
-            <a:spLocks noGrp="1"/>
-          </p:cNvSpPr>
-          <p:nvPr>
-            <p:ph type="body" sz="half" idx="2"/>
-          </p:nvPr>
-        </p:nvSpPr>
-        <p:spPr>
-          <a:xfrm>
-            <a:off x="457201" y="1076326"/>
-            <a:ext cx="3008313" cy="3518297"/>
-          </a:xfrm>
-        </p:spPr>
-        <p:txBody>
-          <a:bodyPr/>
-          <a:lstStyle>
-            <a:lvl1pPr marL="0" indent="0">
-              <a:buNone/>
-              <a:defRPr sz="1050"/>
-            </a:lvl1pPr>
-            <a:lvl2pPr marL="342900" indent="0">
-              <a:buNone/>
-              <a:defRPr sz="900"/>
-            </a:lvl2pPr>
-            <a:lvl3pPr marL="685800" indent="0">
-              <a:buNone/>
-              <a:defRPr sz="750"/>
-            </a:lvl3pPr>
-            <a:lvl4pPr marL="1028700" indent="0">
-              <a:buNone/>
-              <a:defRPr sz="675"/>
-            </a:lvl4pPr>
-            <a:lvl5pPr marL="1371600" indent="0">
-              <a:buNone/>
-              <a:defRPr sz="675"/>
-            </a:lvl5pPr>
-            <a:lvl6pPr marL="1714500" indent="0">
-              <a:buNone/>
-              <a:defRPr sz="675"/>
-            </a:lvl6pPr>
-            <a:lvl7pPr marL="2057400" indent="0">
-              <a:buNone/>
-              <a:defRPr sz="675"/>
-            </a:lvl7pPr>
-            <a:lvl8pPr marL="2400300" indent="0">
-              <a:buNone/>
-              <a:defRPr sz="675"/>
-            </a:lvl8pPr>
-            <a:lvl9pPr marL="2743200" indent="0">
-              <a:buNone/>
-              <a:defRPr sz="675"/>
-            </a:lvl9pPr>
-          </a:lstStyle>
-          <a:p>
-            <a:pPr lvl="0"/>
-            <a:r>
-              <a:rPr lang="en-US"/>
+              <a:rPr lang="en-US" altLang="zh-CN"/>
               <a:t>Click to edit Master text styles</a:t>
             </a:r>
           </a:p>
@@ -2814,7 +4980,7 @@
           <a:p>
             <a:fld id="{241EB5C9-1307-BA42-ABA2-0BC069CD8E7F}" type="datetimeFigureOut">
               <a:rPr lang="en-US" smtClean="0"/>
-              <a:t>1/2/22</a:t>
+              <a:t>12/25/2025</a:t>
             </a:fld>
             <a:endParaRPr lang="en-US"/>
           </a:p>
@@ -2865,13 +5031,25 @@
     </p:spTree>
     <p:extLst>
       <p:ext uri="{BB962C8B-B14F-4D97-AF65-F5344CB8AC3E}">
-        <p14:creationId xmlns:p14="http://schemas.microsoft.com/office/powerpoint/2010/main" val="3540895647"/>
+        <p14:creationId xmlns:p14="http://schemas.microsoft.com/office/powerpoint/2010/main" val="4058019825"/>
       </p:ext>
     </p:extLst>
   </p:cSld>
   <p:clrMapOvr>
     <a:masterClrMapping/>
   </p:clrMapOvr>
+  <mc:AlternateContent xmlns:mc="http://schemas.openxmlformats.org/markup-compatibility/2006" xmlns:p14="http://schemas.microsoft.com/office/powerpoint/2010/main">
+    <mc:Choice Requires="p14">
+      <p:transition p14:dur="250">
+        <p:fade/>
+      </p:transition>
+    </mc:Choice>
+    <mc:Fallback xmlns="">
+      <p:transition>
+        <p:fade/>
+      </p:transition>
+    </mc:Fallback>
+  </mc:AlternateContent>
 </p:sldLayout>
 </file>
 
@@ -2904,22 +5082,25 @@
         </p:nvSpPr>
         <p:spPr>
           <a:xfrm>
-            <a:off x="1792288" y="3600450"/>
-            <a:ext cx="5486400" cy="425054"/>
+            <a:off x="508001" y="3600450"/>
+            <a:ext cx="6447500" cy="425054"/>
           </a:xfrm>
         </p:spPr>
         <p:txBody>
-          <a:bodyPr anchor="b"/>
+          <a:bodyPr anchor="b">
+            <a:normAutofit/>
+          </a:bodyPr>
           <a:lstStyle>
             <a:lvl1pPr algn="l">
-              <a:defRPr sz="1500" b="1"/>
+              <a:defRPr sz="1800" b="0"/>
             </a:lvl1pPr>
           </a:lstStyle>
           <a:p>
             <a:r>
-              <a:rPr lang="en-US"/>
+              <a:rPr lang="en-US" altLang="zh-CN"/>
               <a:t>Click to edit Master title style</a:t>
             </a:r>
+            <a:endParaRPr lang="en-US" dirty="0"/>
           </a:p>
         </p:txBody>
       </p:sp>
@@ -2927,7 +5108,7 @@
         <p:nvSpPr>
           <p:cNvPr id="3" name="Picture Placeholder 2"/>
           <p:cNvSpPr>
-            <a:spLocks noGrp="1"/>
+            <a:spLocks noGrp="1" noChangeAspect="1"/>
           </p:cNvSpPr>
           <p:nvPr>
             <p:ph type="pic" idx="1"/>
@@ -2935,77 +5116,85 @@
         </p:nvSpPr>
         <p:spPr>
           <a:xfrm>
-            <a:off x="1792288" y="459581"/>
-            <a:ext cx="5486400" cy="3086100"/>
+            <a:off x="508001" y="457200"/>
+            <a:ext cx="6447501" cy="2884289"/>
           </a:xfrm>
         </p:spPr>
         <p:txBody>
-          <a:bodyPr/>
+          <a:bodyPr anchor="t">
+            <a:normAutofit/>
+          </a:bodyPr>
+          <a:lstStyle>
+            <a:lvl1pPr marL="0" indent="0" algn="ctr">
+              <a:buNone/>
+              <a:defRPr sz="1200"/>
+            </a:lvl1pPr>
+            <a:lvl2pPr marL="342900" indent="0">
+              <a:buNone/>
+              <a:defRPr sz="1200"/>
+            </a:lvl2pPr>
+            <a:lvl3pPr marL="685800" indent="0">
+              <a:buNone/>
+              <a:defRPr sz="1200"/>
+            </a:lvl3pPr>
+            <a:lvl4pPr marL="1028700" indent="0">
+              <a:buNone/>
+              <a:defRPr sz="1200"/>
+            </a:lvl4pPr>
+            <a:lvl5pPr marL="1371600" indent="0">
+              <a:buNone/>
+              <a:defRPr sz="1200"/>
+            </a:lvl5pPr>
+            <a:lvl6pPr marL="1714500" indent="0">
+              <a:buNone/>
+              <a:defRPr sz="1200"/>
+            </a:lvl6pPr>
+            <a:lvl7pPr marL="2057400" indent="0">
+              <a:buNone/>
+              <a:defRPr sz="1200"/>
+            </a:lvl7pPr>
+            <a:lvl8pPr marL="2400300" indent="0">
+              <a:buNone/>
+              <a:defRPr sz="1200"/>
+            </a:lvl8pPr>
+            <a:lvl9pPr marL="2743200" indent="0">
+              <a:buNone/>
+              <a:defRPr sz="1200"/>
+            </a:lvl9pPr>
+          </a:lstStyle>
+          <a:p>
+            <a:r>
+              <a:rPr lang="en-US" altLang="zh-CN"/>
+              <a:t>Click icon to add picture</a:t>
+            </a:r>
+            <a:endParaRPr lang="en-US" dirty="0"/>
+          </a:p>
+        </p:txBody>
+      </p:sp>
+      <p:sp>
+        <p:nvSpPr>
+          <p:cNvPr id="4" name="Text Placeholder 3"/>
+          <p:cNvSpPr>
+            <a:spLocks noGrp="1"/>
+          </p:cNvSpPr>
+          <p:nvPr>
+            <p:ph type="body" sz="half" idx="2"/>
+          </p:nvPr>
+        </p:nvSpPr>
+        <p:spPr>
+          <a:xfrm>
+            <a:off x="508001" y="4025504"/>
+            <a:ext cx="6447500" cy="505518"/>
+          </a:xfrm>
+        </p:spPr>
+        <p:txBody>
+          <a:bodyPr>
+            <a:normAutofit/>
+          </a:bodyPr>
           <a:lstStyle>
             <a:lvl1pPr marL="0" indent="0">
               <a:buNone/>
-              <a:defRPr sz="2400"/>
-            </a:lvl1pPr>
-            <a:lvl2pPr marL="342900" indent="0">
-              <a:buNone/>
-              <a:defRPr sz="2100"/>
-            </a:lvl2pPr>
-            <a:lvl3pPr marL="685800" indent="0">
-              <a:buNone/>
-              <a:defRPr sz="1800"/>
-            </a:lvl3pPr>
-            <a:lvl4pPr marL="1028700" indent="0">
-              <a:buNone/>
-              <a:defRPr sz="1500"/>
-            </a:lvl4pPr>
-            <a:lvl5pPr marL="1371600" indent="0">
-              <a:buNone/>
-              <a:defRPr sz="1500"/>
-            </a:lvl5pPr>
-            <a:lvl6pPr marL="1714500" indent="0">
-              <a:buNone/>
-              <a:defRPr sz="1500"/>
-            </a:lvl6pPr>
-            <a:lvl7pPr marL="2057400" indent="0">
-              <a:buNone/>
-              <a:defRPr sz="1500"/>
-            </a:lvl7pPr>
-            <a:lvl8pPr marL="2400300" indent="0">
-              <a:buNone/>
-              <a:defRPr sz="1500"/>
-            </a:lvl8pPr>
-            <a:lvl9pPr marL="2743200" indent="0">
-              <a:buNone/>
-              <a:defRPr sz="1500"/>
-            </a:lvl9pPr>
-          </a:lstStyle>
-          <a:p>
-            <a:endParaRPr lang="en-US"/>
-          </a:p>
-        </p:txBody>
-      </p:sp>
-      <p:sp>
-        <p:nvSpPr>
-          <p:cNvPr id="4" name="Text Placeholder 3"/>
-          <p:cNvSpPr>
-            <a:spLocks noGrp="1"/>
-          </p:cNvSpPr>
-          <p:nvPr>
-            <p:ph type="body" sz="half" idx="2"/>
-          </p:nvPr>
-        </p:nvSpPr>
-        <p:spPr>
-          <a:xfrm>
-            <a:off x="1792288" y="4025503"/>
-            <a:ext cx="5486400" cy="603647"/>
-          </a:xfrm>
-        </p:spPr>
-        <p:txBody>
-          <a:bodyPr/>
-          <a:lstStyle>
-            <a:lvl1pPr marL="0" indent="0">
-              <a:buNone/>
-              <a:defRPr sz="1050"/>
+              <a:defRPr sz="900"/>
             </a:lvl1pPr>
             <a:lvl2pPr marL="342900" indent="0">
               <a:buNone/>
@@ -3043,7 +5232,7 @@
           <a:p>
             <a:pPr lvl="0"/>
             <a:r>
-              <a:rPr lang="en-US"/>
+              <a:rPr lang="en-US" altLang="zh-CN"/>
               <a:t>Click to edit Master text styles</a:t>
             </a:r>
           </a:p>
@@ -3066,7 +5255,7 @@
           <a:p>
             <a:fld id="{241EB5C9-1307-BA42-ABA2-0BC069CD8E7F}" type="datetimeFigureOut">
               <a:rPr lang="en-US" smtClean="0"/>
-              <a:t>1/2/22</a:t>
+              <a:t>12/25/2025</a:t>
             </a:fld>
             <a:endParaRPr lang="en-US"/>
           </a:p>
@@ -3117,13 +5306,25 @@
     </p:spTree>
     <p:extLst>
       <p:ext uri="{BB962C8B-B14F-4D97-AF65-F5344CB8AC3E}">
-        <p14:creationId xmlns:p14="http://schemas.microsoft.com/office/powerpoint/2010/main" val="3566899855"/>
+        <p14:creationId xmlns:p14="http://schemas.microsoft.com/office/powerpoint/2010/main" val="1804316603"/>
       </p:ext>
     </p:extLst>
   </p:cSld>
   <p:clrMapOvr>
     <a:masterClrMapping/>
   </p:clrMapOvr>
+  <mc:AlternateContent xmlns:mc="http://schemas.openxmlformats.org/markup-compatibility/2006" xmlns:p14="http://schemas.microsoft.com/office/powerpoint/2010/main">
+    <mc:Choice Requires="p14">
+      <p:transition p14:dur="250">
+        <p:fade/>
+      </p:transition>
+    </mc:Choice>
+    <mc:Fallback xmlns="">
+      <p:transition>
+        <p:fade/>
+      </p:transition>
+    </mc:Fallback>
+  </mc:AlternateContent>
 </p:sldLayout>
 </file>
 
@@ -3132,7 +5333,7 @@
   <p:cSld>
     <p:bg>
       <p:bgRef idx="1001">
-        <a:schemeClr val="bg1"/>
+        <a:schemeClr val="bg2"/>
       </p:bgRef>
     </p:bg>
     <p:spTree>
@@ -3149,6 +5350,536 @@
           <a:chExt cx="0" cy="0"/>
         </a:xfrm>
       </p:grpSpPr>
+      <p:grpSp>
+        <p:nvGrpSpPr>
+          <p:cNvPr id="7" name="Group 6"/>
+          <p:cNvGrpSpPr/>
+          <p:nvPr/>
+        </p:nvGrpSpPr>
+        <p:grpSpPr>
+          <a:xfrm>
+            <a:off x="0" y="-6350"/>
+            <a:ext cx="9144000" cy="5149850"/>
+            <a:chOff x="0" y="-8467"/>
+            <a:chExt cx="12192000" cy="6866467"/>
+          </a:xfrm>
+        </p:grpSpPr>
+        <p:cxnSp>
+          <p:nvCxnSpPr>
+            <p:cNvPr id="20" name="Straight Connector 19"/>
+            <p:cNvCxnSpPr/>
+            <p:nvPr/>
+          </p:nvCxnSpPr>
+          <p:spPr>
+            <a:xfrm>
+              <a:off x="9371012" y="0"/>
+              <a:ext cx="1219200" cy="6858000"/>
+            </a:xfrm>
+            <a:prstGeom prst="line">
+              <a:avLst/>
+            </a:prstGeom>
+            <a:ln w="9525">
+              <a:solidFill>
+                <a:schemeClr val="bg1">
+                  <a:lumMod val="75000"/>
+                </a:schemeClr>
+              </a:solidFill>
+            </a:ln>
+          </p:spPr>
+          <p:style>
+            <a:lnRef idx="2">
+              <a:schemeClr val="accent1"/>
+            </a:lnRef>
+            <a:fillRef idx="0">
+              <a:schemeClr val="accent1"/>
+            </a:fillRef>
+            <a:effectRef idx="1">
+              <a:schemeClr val="accent1"/>
+            </a:effectRef>
+            <a:fontRef idx="minor">
+              <a:schemeClr val="tx1"/>
+            </a:fontRef>
+          </p:style>
+        </p:cxnSp>
+        <p:cxnSp>
+          <p:nvCxnSpPr>
+            <p:cNvPr id="21" name="Straight Connector 20"/>
+            <p:cNvCxnSpPr/>
+            <p:nvPr/>
+          </p:nvCxnSpPr>
+          <p:spPr>
+            <a:xfrm flipH="1">
+              <a:off x="7425267" y="3681413"/>
+              <a:ext cx="4763558" cy="3176587"/>
+            </a:xfrm>
+            <a:prstGeom prst="line">
+              <a:avLst/>
+            </a:prstGeom>
+            <a:ln w="9525">
+              <a:solidFill>
+                <a:schemeClr val="bg1">
+                  <a:lumMod val="85000"/>
+                </a:schemeClr>
+              </a:solidFill>
+            </a:ln>
+          </p:spPr>
+          <p:style>
+            <a:lnRef idx="2">
+              <a:schemeClr val="accent1"/>
+            </a:lnRef>
+            <a:fillRef idx="0">
+              <a:schemeClr val="accent1"/>
+            </a:fillRef>
+            <a:effectRef idx="1">
+              <a:schemeClr val="accent1"/>
+            </a:effectRef>
+            <a:fontRef idx="minor">
+              <a:schemeClr val="tx1"/>
+            </a:fontRef>
+          </p:style>
+        </p:cxnSp>
+        <p:sp>
+          <p:nvSpPr>
+            <p:cNvPr id="22" name="Rectangle 23"/>
+            <p:cNvSpPr/>
+            <p:nvPr/>
+          </p:nvSpPr>
+          <p:spPr>
+            <a:xfrm>
+              <a:off x="9181476" y="-8467"/>
+              <a:ext cx="3007349" cy="6866467"/>
+            </a:xfrm>
+            <a:custGeom>
+              <a:avLst/>
+              <a:gdLst/>
+              <a:ahLst/>
+              <a:cxnLst/>
+              <a:rect l="l" t="t" r="r" b="b"/>
+              <a:pathLst>
+                <a:path w="3007349" h="6866467">
+                  <a:moveTo>
+                    <a:pt x="2045532" y="0"/>
+                  </a:moveTo>
+                  <a:lnTo>
+                    <a:pt x="3007349" y="0"/>
+                  </a:lnTo>
+                  <a:lnTo>
+                    <a:pt x="3007349" y="6866467"/>
+                  </a:lnTo>
+                  <a:lnTo>
+                    <a:pt x="0" y="6866467"/>
+                  </a:lnTo>
+                  <a:lnTo>
+                    <a:pt x="2045532" y="0"/>
+                  </a:lnTo>
+                  <a:close/>
+                </a:path>
+              </a:pathLst>
+            </a:custGeom>
+            <a:solidFill>
+              <a:schemeClr val="accent1">
+                <a:alpha val="30000"/>
+              </a:schemeClr>
+            </a:solidFill>
+            <a:ln>
+              <a:noFill/>
+            </a:ln>
+            <a:effectLst/>
+          </p:spPr>
+          <p:style>
+            <a:lnRef idx="1">
+              <a:schemeClr val="accent1"/>
+            </a:lnRef>
+            <a:fillRef idx="3">
+              <a:schemeClr val="accent1"/>
+            </a:fillRef>
+            <a:effectRef idx="2">
+              <a:schemeClr val="accent1"/>
+            </a:effectRef>
+            <a:fontRef idx="minor">
+              <a:schemeClr val="lt1"/>
+            </a:fontRef>
+          </p:style>
+        </p:sp>
+        <p:sp>
+          <p:nvSpPr>
+            <p:cNvPr id="23" name="Rectangle 25"/>
+            <p:cNvSpPr/>
+            <p:nvPr/>
+          </p:nvSpPr>
+          <p:spPr>
+            <a:xfrm>
+              <a:off x="9603442" y="-8467"/>
+              <a:ext cx="2588558" cy="6866467"/>
+            </a:xfrm>
+            <a:custGeom>
+              <a:avLst/>
+              <a:gdLst/>
+              <a:ahLst/>
+              <a:cxnLst/>
+              <a:rect l="l" t="t" r="r" b="b"/>
+              <a:pathLst>
+                <a:path w="2573311" h="6866467">
+                  <a:moveTo>
+                    <a:pt x="0" y="0"/>
+                  </a:moveTo>
+                  <a:lnTo>
+                    <a:pt x="2573311" y="0"/>
+                  </a:lnTo>
+                  <a:lnTo>
+                    <a:pt x="2573311" y="6866467"/>
+                  </a:lnTo>
+                  <a:lnTo>
+                    <a:pt x="1202336" y="6866467"/>
+                  </a:lnTo>
+                  <a:lnTo>
+                    <a:pt x="0" y="0"/>
+                  </a:lnTo>
+                  <a:close/>
+                </a:path>
+              </a:pathLst>
+            </a:custGeom>
+            <a:solidFill>
+              <a:schemeClr val="accent1">
+                <a:alpha val="20000"/>
+              </a:schemeClr>
+            </a:solidFill>
+            <a:ln>
+              <a:noFill/>
+            </a:ln>
+            <a:effectLst/>
+          </p:spPr>
+          <p:style>
+            <a:lnRef idx="1">
+              <a:schemeClr val="accent1"/>
+            </a:lnRef>
+            <a:fillRef idx="3">
+              <a:schemeClr val="accent1"/>
+            </a:fillRef>
+            <a:effectRef idx="2">
+              <a:schemeClr val="accent1"/>
+            </a:effectRef>
+            <a:fontRef idx="minor">
+              <a:schemeClr val="lt1"/>
+            </a:fontRef>
+          </p:style>
+        </p:sp>
+        <p:sp>
+          <p:nvSpPr>
+            <p:cNvPr id="24" name="Isosceles Triangle 23"/>
+            <p:cNvSpPr/>
+            <p:nvPr/>
+          </p:nvSpPr>
+          <p:spPr>
+            <a:xfrm>
+              <a:off x="8932333" y="3048000"/>
+              <a:ext cx="3259667" cy="3810000"/>
+            </a:xfrm>
+            <a:prstGeom prst="triangle">
+              <a:avLst>
+                <a:gd name="adj" fmla="val 100000"/>
+              </a:avLst>
+            </a:prstGeom>
+            <a:solidFill>
+              <a:schemeClr val="accent2">
+                <a:alpha val="72000"/>
+              </a:schemeClr>
+            </a:solidFill>
+            <a:ln>
+              <a:noFill/>
+            </a:ln>
+            <a:effectLst/>
+          </p:spPr>
+          <p:style>
+            <a:lnRef idx="1">
+              <a:schemeClr val="accent1"/>
+            </a:lnRef>
+            <a:fillRef idx="3">
+              <a:schemeClr val="accent1"/>
+            </a:fillRef>
+            <a:effectRef idx="2">
+              <a:schemeClr val="accent1"/>
+            </a:effectRef>
+            <a:fontRef idx="minor">
+              <a:schemeClr val="lt1"/>
+            </a:fontRef>
+          </p:style>
+        </p:sp>
+        <p:sp>
+          <p:nvSpPr>
+            <p:cNvPr id="25" name="Rectangle 27"/>
+            <p:cNvSpPr/>
+            <p:nvPr/>
+          </p:nvSpPr>
+          <p:spPr>
+            <a:xfrm>
+              <a:off x="9334500" y="-8467"/>
+              <a:ext cx="2854326" cy="6866467"/>
+            </a:xfrm>
+            <a:custGeom>
+              <a:avLst/>
+              <a:gdLst/>
+              <a:ahLst/>
+              <a:cxnLst/>
+              <a:rect l="l" t="t" r="r" b="b"/>
+              <a:pathLst>
+                <a:path w="2858013" h="6866467">
+                  <a:moveTo>
+                    <a:pt x="0" y="0"/>
+                  </a:moveTo>
+                  <a:lnTo>
+                    <a:pt x="2858013" y="0"/>
+                  </a:lnTo>
+                  <a:lnTo>
+                    <a:pt x="2858013" y="6866467"/>
+                  </a:lnTo>
+                  <a:lnTo>
+                    <a:pt x="2473942" y="6866467"/>
+                  </a:lnTo>
+                  <a:lnTo>
+                    <a:pt x="0" y="0"/>
+                  </a:lnTo>
+                  <a:close/>
+                </a:path>
+              </a:pathLst>
+            </a:custGeom>
+            <a:solidFill>
+              <a:schemeClr val="accent2">
+                <a:lumMod val="75000"/>
+                <a:alpha val="70000"/>
+              </a:schemeClr>
+            </a:solidFill>
+            <a:ln>
+              <a:noFill/>
+            </a:ln>
+            <a:effectLst/>
+          </p:spPr>
+          <p:style>
+            <a:lnRef idx="1">
+              <a:schemeClr val="accent1"/>
+            </a:lnRef>
+            <a:fillRef idx="3">
+              <a:schemeClr val="accent1"/>
+            </a:fillRef>
+            <a:effectRef idx="2">
+              <a:schemeClr val="accent1"/>
+            </a:effectRef>
+            <a:fontRef idx="minor">
+              <a:schemeClr val="lt1"/>
+            </a:fontRef>
+          </p:style>
+        </p:sp>
+        <p:sp>
+          <p:nvSpPr>
+            <p:cNvPr id="26" name="Rectangle 28"/>
+            <p:cNvSpPr/>
+            <p:nvPr/>
+          </p:nvSpPr>
+          <p:spPr>
+            <a:xfrm>
+              <a:off x="10898730" y="-8467"/>
+              <a:ext cx="1290094" cy="6866467"/>
+            </a:xfrm>
+            <a:custGeom>
+              <a:avLst/>
+              <a:gdLst/>
+              <a:ahLst/>
+              <a:cxnLst/>
+              <a:rect l="l" t="t" r="r" b="b"/>
+              <a:pathLst>
+                <a:path w="1290094" h="6858000">
+                  <a:moveTo>
+                    <a:pt x="1019735" y="0"/>
+                  </a:moveTo>
+                  <a:lnTo>
+                    <a:pt x="1290094" y="0"/>
+                  </a:lnTo>
+                  <a:lnTo>
+                    <a:pt x="1290094" y="6858000"/>
+                  </a:lnTo>
+                  <a:lnTo>
+                    <a:pt x="0" y="6858000"/>
+                  </a:lnTo>
+                  <a:lnTo>
+                    <a:pt x="1019735" y="0"/>
+                  </a:lnTo>
+                  <a:close/>
+                </a:path>
+              </a:pathLst>
+            </a:custGeom>
+            <a:solidFill>
+              <a:schemeClr val="accent1">
+                <a:lumMod val="60000"/>
+                <a:lumOff val="40000"/>
+                <a:alpha val="70000"/>
+              </a:schemeClr>
+            </a:solidFill>
+            <a:ln>
+              <a:noFill/>
+            </a:ln>
+            <a:effectLst/>
+          </p:spPr>
+          <p:style>
+            <a:lnRef idx="1">
+              <a:schemeClr val="accent1"/>
+            </a:lnRef>
+            <a:fillRef idx="3">
+              <a:schemeClr val="accent1"/>
+            </a:fillRef>
+            <a:effectRef idx="2">
+              <a:schemeClr val="accent1"/>
+            </a:effectRef>
+            <a:fontRef idx="minor">
+              <a:schemeClr val="lt1"/>
+            </a:fontRef>
+          </p:style>
+        </p:sp>
+        <p:sp>
+          <p:nvSpPr>
+            <p:cNvPr id="27" name="Rectangle 29"/>
+            <p:cNvSpPr/>
+            <p:nvPr/>
+          </p:nvSpPr>
+          <p:spPr>
+            <a:xfrm>
+              <a:off x="10938999" y="-8467"/>
+              <a:ext cx="1249825" cy="6866467"/>
+            </a:xfrm>
+            <a:custGeom>
+              <a:avLst/>
+              <a:gdLst/>
+              <a:ahLst/>
+              <a:cxnLst/>
+              <a:rect l="l" t="t" r="r" b="b"/>
+              <a:pathLst>
+                <a:path w="1249825" h="6858000">
+                  <a:moveTo>
+                    <a:pt x="0" y="0"/>
+                  </a:moveTo>
+                  <a:lnTo>
+                    <a:pt x="1249825" y="0"/>
+                  </a:lnTo>
+                  <a:lnTo>
+                    <a:pt x="1249825" y="6858000"/>
+                  </a:lnTo>
+                  <a:lnTo>
+                    <a:pt x="1109382" y="6858000"/>
+                  </a:lnTo>
+                  <a:lnTo>
+                    <a:pt x="0" y="0"/>
+                  </a:lnTo>
+                  <a:close/>
+                </a:path>
+              </a:pathLst>
+            </a:custGeom>
+            <a:solidFill>
+              <a:schemeClr val="accent1">
+                <a:alpha val="65000"/>
+              </a:schemeClr>
+            </a:solidFill>
+            <a:ln>
+              <a:noFill/>
+            </a:ln>
+            <a:effectLst/>
+          </p:spPr>
+          <p:style>
+            <a:lnRef idx="1">
+              <a:schemeClr val="accent1"/>
+            </a:lnRef>
+            <a:fillRef idx="3">
+              <a:schemeClr val="accent1"/>
+            </a:fillRef>
+            <a:effectRef idx="2">
+              <a:schemeClr val="accent1"/>
+            </a:effectRef>
+            <a:fontRef idx="minor">
+              <a:schemeClr val="lt1"/>
+            </a:fontRef>
+          </p:style>
+        </p:sp>
+        <p:sp>
+          <p:nvSpPr>
+            <p:cNvPr id="28" name="Isosceles Triangle 27"/>
+            <p:cNvSpPr/>
+            <p:nvPr/>
+          </p:nvSpPr>
+          <p:spPr>
+            <a:xfrm>
+              <a:off x="10371666" y="3589867"/>
+              <a:ext cx="1817159" cy="3268133"/>
+            </a:xfrm>
+            <a:prstGeom prst="triangle">
+              <a:avLst>
+                <a:gd name="adj" fmla="val 100000"/>
+              </a:avLst>
+            </a:prstGeom>
+            <a:solidFill>
+              <a:schemeClr val="accent1">
+                <a:alpha val="80000"/>
+              </a:schemeClr>
+            </a:solidFill>
+            <a:ln>
+              <a:noFill/>
+            </a:ln>
+            <a:effectLst/>
+          </p:spPr>
+          <p:style>
+            <a:lnRef idx="1">
+              <a:schemeClr val="accent1"/>
+            </a:lnRef>
+            <a:fillRef idx="3">
+              <a:schemeClr val="accent1"/>
+            </a:fillRef>
+            <a:effectRef idx="2">
+              <a:schemeClr val="accent1"/>
+            </a:effectRef>
+            <a:fontRef idx="minor">
+              <a:schemeClr val="lt1"/>
+            </a:fontRef>
+          </p:style>
+        </p:sp>
+        <p:sp>
+          <p:nvSpPr>
+            <p:cNvPr id="29" name="Isosceles Triangle 28"/>
+            <p:cNvSpPr/>
+            <p:nvPr/>
+          </p:nvSpPr>
+          <p:spPr>
+            <a:xfrm>
+              <a:off x="0" y="4013200"/>
+              <a:ext cx="448733" cy="2844800"/>
+            </a:xfrm>
+            <a:prstGeom prst="triangle">
+              <a:avLst>
+                <a:gd name="adj" fmla="val 0"/>
+              </a:avLst>
+            </a:prstGeom>
+            <a:solidFill>
+              <a:schemeClr val="accent1">
+                <a:alpha val="85000"/>
+              </a:schemeClr>
+            </a:solidFill>
+            <a:ln>
+              <a:noFill/>
+            </a:ln>
+            <a:effectLst/>
+          </p:spPr>
+          <p:style>
+            <a:lnRef idx="1">
+              <a:schemeClr val="accent1"/>
+            </a:lnRef>
+            <a:fillRef idx="3">
+              <a:schemeClr val="accent1"/>
+            </a:fillRef>
+            <a:effectRef idx="2">
+              <a:schemeClr val="accent1"/>
+            </a:effectRef>
+            <a:fontRef idx="minor">
+              <a:schemeClr val="lt1"/>
+            </a:fontRef>
+          </p:style>
+        </p:sp>
+      </p:grpSp>
       <p:sp>
         <p:nvSpPr>
           <p:cNvPr id="2" name="Title Placeholder 1"/>
@@ -3161,23 +5892,24 @@
         </p:nvSpPr>
         <p:spPr>
           <a:xfrm>
-            <a:off x="457200" y="205979"/>
-            <a:ext cx="8229600" cy="857250"/>
+            <a:off x="508001" y="457200"/>
+            <a:ext cx="6447501" cy="990600"/>
           </a:xfrm>
           <a:prstGeom prst="rect">
             <a:avLst/>
           </a:prstGeom>
         </p:spPr>
         <p:txBody>
-          <a:bodyPr vert="horz" lIns="91440" tIns="45720" rIns="91440" bIns="45720" rtlCol="0" anchor="ctr">
+          <a:bodyPr vert="horz" lIns="91440" tIns="45720" rIns="91440" bIns="45720" rtlCol="0" anchor="t">
             <a:normAutofit/>
           </a:bodyPr>
           <a:lstStyle/>
           <a:p>
             <a:r>
-              <a:rPr lang="en-US"/>
+              <a:rPr lang="en-US" altLang="zh-CN"/>
               <a:t>Click to edit Master title style</a:t>
             </a:r>
+            <a:endParaRPr lang="en-US" dirty="0"/>
           </a:p>
         </p:txBody>
       </p:sp>
@@ -3193,8 +5925,8 @@
         </p:nvSpPr>
         <p:spPr>
           <a:xfrm>
-            <a:off x="457200" y="1200151"/>
-            <a:ext cx="8229600" cy="3394472"/>
+            <a:off x="508001" y="1620442"/>
+            <a:ext cx="6447501" cy="2910580"/>
           </a:xfrm>
           <a:prstGeom prst="rect">
             <a:avLst/>
@@ -3208,37 +5940,38 @@
           <a:p>
             <a:pPr lvl="0"/>
             <a:r>
-              <a:rPr lang="en-US"/>
+              <a:rPr lang="en-US" altLang="zh-CN"/>
               <a:t>Click to edit Master text styles</a:t>
             </a:r>
           </a:p>
           <a:p>
             <a:pPr lvl="1"/>
             <a:r>
-              <a:rPr lang="en-US"/>
+              <a:rPr lang="en-US" altLang="zh-CN"/>
               <a:t>Second level</a:t>
             </a:r>
           </a:p>
           <a:p>
             <a:pPr lvl="2"/>
             <a:r>
-              <a:rPr lang="en-US"/>
+              <a:rPr lang="en-US" altLang="zh-CN"/>
               <a:t>Third level</a:t>
             </a:r>
           </a:p>
           <a:p>
             <a:pPr lvl="3"/>
             <a:r>
-              <a:rPr lang="en-US"/>
+              <a:rPr lang="en-US" altLang="zh-CN"/>
               <a:t>Fourth level</a:t>
             </a:r>
           </a:p>
           <a:p>
             <a:pPr lvl="4"/>
             <a:r>
-              <a:rPr lang="en-US"/>
+              <a:rPr lang="en-US" altLang="zh-CN"/>
               <a:t>Fifth level</a:t>
             </a:r>
+            <a:endParaRPr lang="en-US" dirty="0"/>
           </a:p>
         </p:txBody>
       </p:sp>
@@ -3254,8 +5987,8 @@
         </p:nvSpPr>
         <p:spPr>
           <a:xfrm>
-            <a:off x="457200" y="4767263"/>
-            <a:ext cx="2133600" cy="273844"/>
+            <a:off x="5403850" y="4531022"/>
+            <a:ext cx="683954" cy="273844"/>
           </a:xfrm>
           <a:prstGeom prst="rect">
             <a:avLst/>
@@ -3264,8 +5997,8 @@
         <p:txBody>
           <a:bodyPr vert="horz" lIns="91440" tIns="45720" rIns="91440" bIns="45720" rtlCol="0" anchor="ctr"/>
           <a:lstStyle>
-            <a:lvl1pPr algn="l">
-              <a:defRPr sz="900">
+            <a:lvl1pPr algn="r">
+              <a:defRPr sz="675">
                 <a:solidFill>
                   <a:schemeClr val="tx1">
                     <a:tint val="75000"/>
@@ -3277,7 +6010,7 @@
           <a:p>
             <a:fld id="{241EB5C9-1307-BA42-ABA2-0BC069CD8E7F}" type="datetimeFigureOut">
               <a:rPr lang="en-US" smtClean="0"/>
-              <a:t>1/2/22</a:t>
+              <a:t>12/25/2025</a:t>
             </a:fld>
             <a:endParaRPr lang="en-US"/>
           </a:p>
@@ -3295,8 +6028,8 @@
         </p:nvSpPr>
         <p:spPr>
           <a:xfrm>
-            <a:off x="3124200" y="4767263"/>
-            <a:ext cx="2895600" cy="273844"/>
+            <a:off x="508001" y="4531022"/>
+            <a:ext cx="4723209" cy="273844"/>
           </a:xfrm>
           <a:prstGeom prst="rect">
             <a:avLst/>
@@ -3305,8 +6038,8 @@
         <p:txBody>
           <a:bodyPr vert="horz" lIns="91440" tIns="45720" rIns="91440" bIns="45720" rtlCol="0" anchor="ctr"/>
           <a:lstStyle>
-            <a:lvl1pPr algn="ctr">
-              <a:defRPr sz="900">
+            <a:lvl1pPr algn="l">
+              <a:defRPr sz="675">
                 <a:solidFill>
                   <a:schemeClr val="tx1">
                     <a:tint val="75000"/>
@@ -3332,8 +6065,8 @@
         </p:nvSpPr>
         <p:spPr>
           <a:xfrm>
-            <a:off x="6553200" y="4767263"/>
-            <a:ext cx="2133600" cy="273844"/>
+            <a:off x="6442998" y="4531022"/>
+            <a:ext cx="512504" cy="273844"/>
           </a:xfrm>
           <a:prstGeom prst="rect">
             <a:avLst/>
@@ -3343,11 +6076,9 @@
           <a:bodyPr vert="horz" lIns="91440" tIns="45720" rIns="91440" bIns="45720" rtlCol="0" anchor="ctr"/>
           <a:lstStyle>
             <a:lvl1pPr algn="r">
-              <a:defRPr sz="900">
+              <a:defRPr sz="675">
                 <a:solidFill>
-                  <a:schemeClr val="tx1">
-                    <a:tint val="75000"/>
-                  </a:schemeClr>
+                  <a:schemeClr val="accent1"/>
                 </a:solidFill>
               </a:defRPr>
             </a:lvl1pPr>
@@ -3364,171 +6095,334 @@
     </p:spTree>
     <p:extLst>
       <p:ext uri="{BB962C8B-B14F-4D97-AF65-F5344CB8AC3E}">
-        <p14:creationId xmlns:p14="http://schemas.microsoft.com/office/powerpoint/2010/main" val="3676200875"/>
+        <p14:creationId xmlns:p14="http://schemas.microsoft.com/office/powerpoint/2010/main" val="3264577873"/>
       </p:ext>
     </p:extLst>
   </p:cSld>
-  <p:clrMap bg1="lt1" tx1="dk1" bg2="lt2" tx2="dk2" accent1="accent1" accent2="accent2" accent3="accent3" accent4="accent4" accent5="accent5" accent6="accent6" hlink="hlink" folHlink="folHlink"/>
+  <p:clrMap bg1="dk1" tx1="lt1" bg2="dk2" tx2="lt2" accent1="accent1" accent2="accent2" accent3="accent3" accent4="accent4" accent5="accent5" accent6="accent6" hlink="hlink" folHlink="folHlink"/>
   <p:sldLayoutIdLst>
-    <p:sldLayoutId id="2147483649" r:id="rId1"/>
-    <p:sldLayoutId id="2147483650" r:id="rId2"/>
-    <p:sldLayoutId id="2147483651" r:id="rId3"/>
-    <p:sldLayoutId id="2147483652" r:id="rId4"/>
-    <p:sldLayoutId id="2147483653" r:id="rId5"/>
-    <p:sldLayoutId id="2147483654" r:id="rId6"/>
-    <p:sldLayoutId id="2147483655" r:id="rId7"/>
-    <p:sldLayoutId id="2147483656" r:id="rId8"/>
-    <p:sldLayoutId id="2147483657" r:id="rId9"/>
-    <p:sldLayoutId id="2147483658" r:id="rId10"/>
-    <p:sldLayoutId id="2147483659" r:id="rId11"/>
+    <p:sldLayoutId id="2147483679" r:id="rId1"/>
+    <p:sldLayoutId id="2147483680" r:id="rId2"/>
+    <p:sldLayoutId id="2147483681" r:id="rId3"/>
+    <p:sldLayoutId id="2147483682" r:id="rId4"/>
+    <p:sldLayoutId id="2147483683" r:id="rId5"/>
+    <p:sldLayoutId id="2147483684" r:id="rId6"/>
+    <p:sldLayoutId id="2147483685" r:id="rId7"/>
+    <p:sldLayoutId id="2147483686" r:id="rId8"/>
+    <p:sldLayoutId id="2147483687" r:id="rId9"/>
+    <p:sldLayoutId id="2147483688" r:id="rId10"/>
+    <p:sldLayoutId id="2147483689" r:id="rId11"/>
+    <p:sldLayoutId id="2147483690" r:id="rId12"/>
+    <p:sldLayoutId id="2147483691" r:id="rId13"/>
+    <p:sldLayoutId id="2147483692" r:id="rId14"/>
+    <p:sldLayoutId id="2147483693" r:id="rId15"/>
+    <p:sldLayoutId id="2147483694" r:id="rId16"/>
   </p:sldLayoutIdLst>
+  <mc:AlternateContent xmlns:mc="http://schemas.openxmlformats.org/markup-compatibility/2006" xmlns:p14="http://schemas.microsoft.com/office/powerpoint/2010/main">
+    <mc:Choice Requires="p14">
+      <p:transition p14:dur="250">
+        <p:fade/>
+      </p:transition>
+    </mc:Choice>
+    <mc:Fallback xmlns="">
+      <p:transition>
+        <p:fade/>
+      </p:transition>
+    </mc:Fallback>
+  </mc:AlternateContent>
   <p:txStyles>
     <p:titleStyle>
-      <a:lvl1pPr algn="ctr" defTabSz="342900" rtl="0" eaLnBrk="1" latinLnBrk="0" hangingPunct="1">
+      <a:lvl1pPr algn="l" defTabSz="342900" rtl="0" eaLnBrk="1" latinLnBrk="0" hangingPunct="1">
         <a:spcBef>
           <a:spcPct val="0"/>
         </a:spcBef>
         <a:buNone/>
-        <a:defRPr sz="3300" kern="1200">
+        <a:defRPr sz="2700" kern="1200">
           <a:solidFill>
-            <a:schemeClr val="tx1"/>
+            <a:schemeClr val="accent1"/>
           </a:solidFill>
           <a:latin typeface="+mj-lt"/>
           <a:ea typeface="+mj-ea"/>
           <a:cs typeface="+mj-cs"/>
         </a:defRPr>
       </a:lvl1pPr>
+      <a:lvl2pPr eaLnBrk="1" hangingPunct="1">
+        <a:defRPr>
+          <a:solidFill>
+            <a:schemeClr val="tx2"/>
+          </a:solidFill>
+        </a:defRPr>
+      </a:lvl2pPr>
+      <a:lvl3pPr eaLnBrk="1" hangingPunct="1">
+        <a:defRPr>
+          <a:solidFill>
+            <a:schemeClr val="tx2"/>
+          </a:solidFill>
+        </a:defRPr>
+      </a:lvl3pPr>
+      <a:lvl4pPr eaLnBrk="1" hangingPunct="1">
+        <a:defRPr>
+          <a:solidFill>
+            <a:schemeClr val="tx2"/>
+          </a:solidFill>
+        </a:defRPr>
+      </a:lvl4pPr>
+      <a:lvl5pPr eaLnBrk="1" hangingPunct="1">
+        <a:defRPr>
+          <a:solidFill>
+            <a:schemeClr val="tx2"/>
+          </a:solidFill>
+        </a:defRPr>
+      </a:lvl5pPr>
+      <a:lvl6pPr eaLnBrk="1" hangingPunct="1">
+        <a:defRPr>
+          <a:solidFill>
+            <a:schemeClr val="tx2"/>
+          </a:solidFill>
+        </a:defRPr>
+      </a:lvl6pPr>
+      <a:lvl7pPr eaLnBrk="1" hangingPunct="1">
+        <a:defRPr>
+          <a:solidFill>
+            <a:schemeClr val="tx2"/>
+          </a:solidFill>
+        </a:defRPr>
+      </a:lvl7pPr>
+      <a:lvl8pPr eaLnBrk="1" hangingPunct="1">
+        <a:defRPr>
+          <a:solidFill>
+            <a:schemeClr val="tx2"/>
+          </a:solidFill>
+        </a:defRPr>
+      </a:lvl8pPr>
+      <a:lvl9pPr eaLnBrk="1" hangingPunct="1">
+        <a:defRPr>
+          <a:solidFill>
+            <a:schemeClr val="tx2"/>
+          </a:solidFill>
+        </a:defRPr>
+      </a:lvl9pPr>
     </p:titleStyle>
     <p:bodyStyle>
-      <a:lvl1pPr marL="342900" indent="-342900" algn="l" defTabSz="342900" rtl="0" eaLnBrk="1" latinLnBrk="0" hangingPunct="1">
+      <a:lvl1pPr marL="257175" indent="-257175" algn="l" defTabSz="342900" rtl="0" eaLnBrk="1" latinLnBrk="0" hangingPunct="1">
         <a:spcBef>
-          <a:spcPct val="20000"/>
+          <a:spcPts val="750"/>
         </a:spcBef>
-        <a:buFont typeface="Arial"/>
-        <a:buChar char="•"/>
-        <a:defRPr sz="2400" kern="1200">
+        <a:spcAft>
+          <a:spcPts val="0"/>
+        </a:spcAft>
+        <a:buClr>
+          <a:schemeClr val="accent1"/>
+        </a:buClr>
+        <a:buSzPct val="80000"/>
+        <a:buFont typeface="Wingdings 3" charset="2"/>
+        <a:buChar char=""/>
+        <a:defRPr sz="1350" kern="1200">
           <a:solidFill>
-            <a:schemeClr val="tx1"/>
+            <a:schemeClr val="tx1">
+              <a:lumMod val="75000"/>
+              <a:lumOff val="25000"/>
+            </a:schemeClr>
           </a:solidFill>
           <a:latin typeface="+mn-lt"/>
           <a:ea typeface="+mn-ea"/>
           <a:cs typeface="+mn-cs"/>
         </a:defRPr>
       </a:lvl1pPr>
-      <a:lvl2pPr marL="685800" indent="-342900" algn="l" defTabSz="342900" rtl="0" eaLnBrk="1" latinLnBrk="0" hangingPunct="1">
+      <a:lvl2pPr marL="557213" indent="-214313" algn="l" defTabSz="342900" rtl="0" eaLnBrk="1" latinLnBrk="0" hangingPunct="1">
         <a:spcBef>
-          <a:spcPct val="20000"/>
+          <a:spcPts val="750"/>
         </a:spcBef>
-        <a:buFont typeface="Arial"/>
-        <a:buChar char="–"/>
-        <a:defRPr sz="2100" kern="1200">
+        <a:spcAft>
+          <a:spcPts val="0"/>
+        </a:spcAft>
+        <a:buClr>
+          <a:schemeClr val="accent1"/>
+        </a:buClr>
+        <a:buSzPct val="80000"/>
+        <a:buFont typeface="Wingdings 3" charset="2"/>
+        <a:buChar char=""/>
+        <a:defRPr sz="1200" kern="1200">
           <a:solidFill>
-            <a:schemeClr val="tx1"/>
+            <a:schemeClr val="tx1">
+              <a:lumMod val="75000"/>
+              <a:lumOff val="25000"/>
+            </a:schemeClr>
           </a:solidFill>
           <a:latin typeface="+mn-lt"/>
           <a:ea typeface="+mn-ea"/>
           <a:cs typeface="+mn-cs"/>
         </a:defRPr>
       </a:lvl2pPr>
-      <a:lvl3pPr marL="1028700" indent="-342900" algn="l" defTabSz="342900" rtl="0" eaLnBrk="1" latinLnBrk="0" hangingPunct="1">
+      <a:lvl3pPr marL="857250" indent="-171450" algn="l" defTabSz="342900" rtl="0" eaLnBrk="1" latinLnBrk="0" hangingPunct="1">
         <a:spcBef>
-          <a:spcPct val="20000"/>
+          <a:spcPts val="750"/>
         </a:spcBef>
-        <a:buFont typeface="Arial"/>
-        <a:buChar char="•"/>
-        <a:defRPr sz="1800" kern="1200">
+        <a:spcAft>
+          <a:spcPts val="0"/>
+        </a:spcAft>
+        <a:buClr>
+          <a:schemeClr val="accent1"/>
+        </a:buClr>
+        <a:buSzPct val="80000"/>
+        <a:buFont typeface="Wingdings 3" charset="2"/>
+        <a:buChar char=""/>
+        <a:defRPr sz="1050" kern="1200">
           <a:solidFill>
-            <a:schemeClr val="tx1"/>
+            <a:schemeClr val="tx1">
+              <a:lumMod val="75000"/>
+              <a:lumOff val="25000"/>
+            </a:schemeClr>
           </a:solidFill>
           <a:latin typeface="+mn-lt"/>
           <a:ea typeface="+mn-ea"/>
           <a:cs typeface="+mn-cs"/>
         </a:defRPr>
       </a:lvl3pPr>
-      <a:lvl4pPr marL="1371600" indent="-342900" algn="l" defTabSz="342900" rtl="0" eaLnBrk="1" latinLnBrk="0" hangingPunct="1">
+      <a:lvl4pPr marL="1200150" indent="-171450" algn="l" defTabSz="342900" rtl="0" eaLnBrk="1" latinLnBrk="0" hangingPunct="1">
         <a:spcBef>
-          <a:spcPct val="20000"/>
+          <a:spcPts val="750"/>
         </a:spcBef>
-        <a:buFont typeface="Arial"/>
-        <a:buChar char="–"/>
-        <a:defRPr sz="1500" kern="1200">
+        <a:spcAft>
+          <a:spcPts val="0"/>
+        </a:spcAft>
+        <a:buClr>
+          <a:schemeClr val="accent1"/>
+        </a:buClr>
+        <a:buSzPct val="80000"/>
+        <a:buFont typeface="Wingdings 3" charset="2"/>
+        <a:buChar char=""/>
+        <a:defRPr sz="900" kern="1200">
           <a:solidFill>
-            <a:schemeClr val="tx1"/>
+            <a:schemeClr val="tx1">
+              <a:lumMod val="75000"/>
+              <a:lumOff val="25000"/>
+            </a:schemeClr>
           </a:solidFill>
           <a:latin typeface="+mn-lt"/>
           <a:ea typeface="+mn-ea"/>
           <a:cs typeface="+mn-cs"/>
         </a:defRPr>
       </a:lvl4pPr>
-      <a:lvl5pPr marL="1714500" indent="-342900" algn="l" defTabSz="342900" rtl="0" eaLnBrk="1" latinLnBrk="0" hangingPunct="1">
+      <a:lvl5pPr marL="1543050" indent="-171450" algn="l" defTabSz="342900" rtl="0" eaLnBrk="1" latinLnBrk="0" hangingPunct="1">
         <a:spcBef>
-          <a:spcPct val="20000"/>
+          <a:spcPts val="750"/>
         </a:spcBef>
-        <a:buFont typeface="Arial"/>
-        <a:buChar char="»"/>
-        <a:defRPr sz="1500" kern="1200">
+        <a:spcAft>
+          <a:spcPts val="0"/>
+        </a:spcAft>
+        <a:buClr>
+          <a:schemeClr val="accent1"/>
+        </a:buClr>
+        <a:buSzPct val="80000"/>
+        <a:buFont typeface="Wingdings 3" charset="2"/>
+        <a:buChar char=""/>
+        <a:defRPr sz="900" kern="1200">
           <a:solidFill>
-            <a:schemeClr val="tx1"/>
+            <a:schemeClr val="tx1">
+              <a:lumMod val="75000"/>
+              <a:lumOff val="25000"/>
+            </a:schemeClr>
           </a:solidFill>
           <a:latin typeface="+mn-lt"/>
           <a:ea typeface="+mn-ea"/>
           <a:cs typeface="+mn-cs"/>
         </a:defRPr>
       </a:lvl5pPr>
-      <a:lvl6pPr marL="2057400" indent="-342900" algn="l" defTabSz="342900" rtl="0" eaLnBrk="1" latinLnBrk="0" hangingPunct="1">
+      <a:lvl6pPr marL="1885950" indent="-171450" algn="l" defTabSz="342900" rtl="0" eaLnBrk="1" latinLnBrk="0" hangingPunct="1">
         <a:spcBef>
-          <a:spcPct val="20000"/>
+          <a:spcPts val="750"/>
         </a:spcBef>
-        <a:buFont typeface="Arial"/>
-        <a:buChar char="•"/>
-        <a:defRPr sz="1500" kern="1200">
+        <a:spcAft>
+          <a:spcPts val="0"/>
+        </a:spcAft>
+        <a:buClr>
+          <a:schemeClr val="accent1"/>
+        </a:buClr>
+        <a:buSzPct val="80000"/>
+        <a:buFont typeface="Wingdings 3" charset="2"/>
+        <a:buChar char=""/>
+        <a:defRPr sz="900" kern="1200">
           <a:solidFill>
-            <a:schemeClr val="tx1"/>
+            <a:schemeClr val="tx1">
+              <a:lumMod val="75000"/>
+              <a:lumOff val="25000"/>
+            </a:schemeClr>
           </a:solidFill>
           <a:latin typeface="+mn-lt"/>
           <a:ea typeface="+mn-ea"/>
           <a:cs typeface="+mn-cs"/>
         </a:defRPr>
       </a:lvl6pPr>
-      <a:lvl7pPr marL="2400300" indent="-342900" algn="l" defTabSz="342900" rtl="0" eaLnBrk="1" latinLnBrk="0" hangingPunct="1">
+      <a:lvl7pPr marL="2228850" indent="-171450" algn="l" defTabSz="342900" rtl="0" eaLnBrk="1" latinLnBrk="0" hangingPunct="1">
         <a:spcBef>
-          <a:spcPct val="20000"/>
+          <a:spcPts val="750"/>
         </a:spcBef>
-        <a:buFont typeface="Arial"/>
-        <a:buChar char="•"/>
-        <a:defRPr sz="1500" kern="1200">
+        <a:spcAft>
+          <a:spcPts val="0"/>
+        </a:spcAft>
+        <a:buClr>
+          <a:schemeClr val="accent1"/>
+        </a:buClr>
+        <a:buSzPct val="80000"/>
+        <a:buFont typeface="Wingdings 3" charset="2"/>
+        <a:buChar char=""/>
+        <a:defRPr sz="900" kern="1200">
           <a:solidFill>
-            <a:schemeClr val="tx1"/>
+            <a:schemeClr val="tx1">
+              <a:lumMod val="75000"/>
+              <a:lumOff val="25000"/>
+            </a:schemeClr>
           </a:solidFill>
           <a:latin typeface="+mn-lt"/>
           <a:ea typeface="+mn-ea"/>
           <a:cs typeface="+mn-cs"/>
         </a:defRPr>
       </a:lvl7pPr>
-      <a:lvl8pPr marL="2743200" indent="-342900" algn="l" defTabSz="342900" rtl="0" eaLnBrk="1" latinLnBrk="0" hangingPunct="1">
+      <a:lvl8pPr marL="2571750" indent="-171450" algn="l" defTabSz="342900" rtl="0" eaLnBrk="1" latinLnBrk="0" hangingPunct="1">
         <a:spcBef>
-          <a:spcPct val="20000"/>
+          <a:spcPts val="750"/>
         </a:spcBef>
-        <a:buFont typeface="Arial"/>
-        <a:buChar char="•"/>
-        <a:defRPr sz="1500" kern="1200">
+        <a:spcAft>
+          <a:spcPts val="0"/>
+        </a:spcAft>
+        <a:buClr>
+          <a:schemeClr val="accent1"/>
+        </a:buClr>
+        <a:buSzPct val="80000"/>
+        <a:buFont typeface="Wingdings 3" charset="2"/>
+        <a:buChar char=""/>
+        <a:defRPr sz="900" kern="1200">
           <a:solidFill>
-            <a:schemeClr val="tx1"/>
+            <a:schemeClr val="tx1">
+              <a:lumMod val="75000"/>
+              <a:lumOff val="25000"/>
+            </a:schemeClr>
           </a:solidFill>
           <a:latin typeface="+mn-lt"/>
           <a:ea typeface="+mn-ea"/>
           <a:cs typeface="+mn-cs"/>
         </a:defRPr>
       </a:lvl8pPr>
-      <a:lvl9pPr marL="3086100" indent="-342900" algn="l" defTabSz="342900" rtl="0" eaLnBrk="1" latinLnBrk="0" hangingPunct="1">
+      <a:lvl9pPr marL="2914650" indent="-171450" algn="l" defTabSz="342900" rtl="0" eaLnBrk="1" latinLnBrk="0" hangingPunct="1">
         <a:spcBef>
-          <a:spcPct val="20000"/>
+          <a:spcPts val="750"/>
         </a:spcBef>
-        <a:buFont typeface="Arial"/>
-        <a:buChar char="•"/>
-        <a:defRPr sz="1500" kern="1200">
+        <a:spcAft>
+          <a:spcPts val="0"/>
+        </a:spcAft>
+        <a:buClr>
+          <a:schemeClr val="accent1"/>
+        </a:buClr>
+        <a:buSzPct val="80000"/>
+        <a:buFont typeface="Wingdings 3" charset="2"/>
+        <a:buChar char=""/>
+        <a:defRPr sz="900" kern="1200">
           <a:solidFill>
-            <a:schemeClr val="tx1"/>
+            <a:schemeClr val="tx1">
+              <a:lumMod val="75000"/>
+              <a:lumOff val="25000"/>
+            </a:schemeClr>
           </a:solidFill>
           <a:latin typeface="+mn-lt"/>
           <a:ea typeface="+mn-ea"/>
@@ -3706,6 +6600,18 @@
   <p:clrMapOvr>
     <a:masterClrMapping/>
   </p:clrMapOvr>
+  <mc:AlternateContent xmlns:mc="http://schemas.openxmlformats.org/markup-compatibility/2006" xmlns:p14="http://schemas.microsoft.com/office/powerpoint/2010/main">
+    <mc:Choice Requires="p14">
+      <p:transition spd="slow" p14:dur="3000">
+        <p14:reveal/>
+      </p:transition>
+    </mc:Choice>
+    <mc:Fallback xmlns="">
+      <p:transition spd="slow">
+        <p:fade/>
+      </p:transition>
+    </mc:Fallback>
+  </mc:AlternateContent>
 </p:sld>
 </file>
 
@@ -3787,6 +6693,18 @@
   <p:clrMapOvr>
     <a:masterClrMapping/>
   </p:clrMapOvr>
+  <mc:AlternateContent xmlns:mc="http://schemas.openxmlformats.org/markup-compatibility/2006" xmlns:p14="http://schemas.microsoft.com/office/powerpoint/2010/main">
+    <mc:Choice Requires="p14">
+      <p:transition p14:dur="250">
+        <p:fade/>
+      </p:transition>
+    </mc:Choice>
+    <mc:Fallback xmlns="">
+      <p:transition>
+        <p:fade/>
+      </p:transition>
+    </mc:Fallback>
+  </mc:AlternateContent>
 </p:sld>
 </file>
 
@@ -3840,6 +6758,13 @@
           </p:nvPr>
         </p:nvSpPr>
         <p:spPr/>
+        <p:txBody>
+          <a:bodyPr/>
+          <a:lstStyle/>
+          <a:p>
+            <a:endParaRPr lang="zh-CN" altLang="en-US"/>
+          </a:p>
+        </p:txBody>
       </p:sp>
     </p:spTree>
     <p:extLst>
@@ -3851,6 +6776,18 @@
   <p:clrMapOvr>
     <a:masterClrMapping/>
   </p:clrMapOvr>
+  <mc:AlternateContent xmlns:mc="http://schemas.openxmlformats.org/markup-compatibility/2006" xmlns:p14="http://schemas.microsoft.com/office/powerpoint/2010/main">
+    <mc:Choice Requires="p14">
+      <p:transition p14:dur="250">
+        <p:fade/>
+      </p:transition>
+    </mc:Choice>
+    <mc:Fallback xmlns="">
+      <p:transition>
+        <p:fade/>
+      </p:transition>
+    </mc:Fallback>
+  </mc:AlternateContent>
 </p:sld>
 </file>
 
@@ -3958,13 +6895,25 @@
   <p:clrMapOvr>
     <a:masterClrMapping/>
   </p:clrMapOvr>
+  <mc:AlternateContent xmlns:mc="http://schemas.openxmlformats.org/markup-compatibility/2006" xmlns:p14="http://schemas.microsoft.com/office/powerpoint/2010/main">
+    <mc:Choice Requires="p14">
+      <p:transition p14:dur="250">
+        <p:fade/>
+      </p:transition>
+    </mc:Choice>
+    <mc:Fallback xmlns="">
+      <p:transition>
+        <p:fade/>
+      </p:transition>
+    </mc:Fallback>
+  </mc:AlternateContent>
 </p:sld>
 </file>
 
 <file path=ppt/theme/theme1.xml><?xml version="1.0" encoding="utf-8"?>
-<a:theme xmlns:a="http://schemas.openxmlformats.org/drawingml/2006/main" name="Office Theme">
+<a:theme xmlns:a="http://schemas.openxmlformats.org/drawingml/2006/main" name="Facet">
   <a:themeElements>
-    <a:clrScheme name="Office">
+    <a:clrScheme name="Facet">
       <a:dk1>
         <a:sysClr val="windowText" lastClr="000000"/>
       </a:dk1>
@@ -3972,52 +6921,52 @@
         <a:sysClr val="window" lastClr="FFFFFF"/>
       </a:lt1>
       <a:dk2>
-        <a:srgbClr val="1F497D"/>
+        <a:srgbClr val="2C3C43"/>
       </a:dk2>
       <a:lt2>
-        <a:srgbClr val="EEECE1"/>
+        <a:srgbClr val="EBEBEB"/>
       </a:lt2>
       <a:accent1>
-        <a:srgbClr val="4F81BD"/>
+        <a:srgbClr val="90C226"/>
       </a:accent1>
       <a:accent2>
-        <a:srgbClr val="C0504D"/>
+        <a:srgbClr val="54A021"/>
       </a:accent2>
       <a:accent3>
-        <a:srgbClr val="9BBB59"/>
+        <a:srgbClr val="E6B91E"/>
       </a:accent3>
       <a:accent4>
-        <a:srgbClr val="8064A2"/>
+        <a:srgbClr val="E76618"/>
       </a:accent4>
       <a:accent5>
-        <a:srgbClr val="4BACC6"/>
+        <a:srgbClr val="C42F1A"/>
       </a:accent5>
       <a:accent6>
-        <a:srgbClr val="F79646"/>
+        <a:srgbClr val="918655"/>
       </a:accent6>
       <a:hlink>
-        <a:srgbClr val="0000FF"/>
+        <a:srgbClr val="99CA3C"/>
       </a:hlink>
       <a:folHlink>
-        <a:srgbClr val="800080"/>
+        <a:srgbClr val="B9D181"/>
       </a:folHlink>
     </a:clrScheme>
-    <a:fontScheme name="Office">
+    <a:fontScheme name="Facet">
       <a:majorFont>
-        <a:latin typeface="Calibri"/>
+        <a:latin typeface="Trebuchet MS" panose="020B0603020202020204"/>
         <a:ea typeface=""/>
         <a:cs typeface=""/>
-        <a:font script="Jpan" typeface="ＭＳ Ｐゴシック"/>
+        <a:font script="Jpan" typeface="メイリオ"/>
         <a:font script="Hang" typeface="맑은 고딕"/>
-        <a:font script="Hans" typeface="宋体"/>
-        <a:font script="Hant" typeface="新細明體"/>
-        <a:font script="Arab" typeface="Times New Roman"/>
-        <a:font script="Hebr" typeface="Times New Roman"/>
-        <a:font script="Thai" typeface="Angsana New"/>
+        <a:font script="Hans" typeface="方正姚体"/>
+        <a:font script="Hant" typeface="微軟正黑體"/>
+        <a:font script="Arab" typeface="Tahoma"/>
+        <a:font script="Hebr" typeface="Arial"/>
+        <a:font script="Thai" typeface="Cordia New"/>
         <a:font script="Ethi" typeface="Nyala"/>
         <a:font script="Beng" typeface="Vrinda"/>
         <a:font script="Gujr" typeface="Shruti"/>
-        <a:font script="Khmr" typeface="MoolBoran"/>
+        <a:font script="Khmr" typeface="DaunPenh"/>
         <a:font script="Knda" typeface="Tunga"/>
         <a:font script="Guru" typeface="Raavi"/>
         <a:font script="Cans" typeface="Euphemia"/>
@@ -4034,21 +6983,21 @@
         <a:font script="Laoo" typeface="DokChampa"/>
         <a:font script="Sinh" typeface="Iskoola Pota"/>
         <a:font script="Mong" typeface="Mongolian Baiti"/>
-        <a:font script="Viet" typeface="Times New Roman"/>
+        <a:font script="Viet" typeface="Tahoma"/>
         <a:font script="Uigh" typeface="Microsoft Uighur"/>
         <a:font script="Geor" typeface="Sylfaen"/>
       </a:majorFont>
       <a:minorFont>
-        <a:latin typeface="Calibri"/>
+        <a:latin typeface="Trebuchet MS" panose="020B0603020202020204"/>
         <a:ea typeface=""/>
         <a:cs typeface=""/>
-        <a:font script="Jpan" typeface="ＭＳ Ｐゴシック"/>
-        <a:font script="Hang" typeface="맑은 고딕"/>
-        <a:font script="Hans" typeface="宋体"/>
-        <a:font script="Hant" typeface="新細明體"/>
-        <a:font script="Arab" typeface="Arial"/>
-        <a:font script="Hebr" typeface="Arial"/>
-        <a:font script="Thai" typeface="Cordia New"/>
+        <a:font script="Jpan" typeface="メイリオ"/>
+        <a:font script="Hang" typeface="HY그래픽M"/>
+        <a:font script="Hans" typeface="华文新魏"/>
+        <a:font script="Hant" typeface="微軟正黑體"/>
+        <a:font script="Arab" typeface="Tahoma"/>
+        <a:font script="Hebr" typeface="Gisha"/>
+        <a:font script="Thai" typeface="IrisUPC"/>
         <a:font script="Ethi" typeface="Nyala"/>
         <a:font script="Beng" typeface="Vrinda"/>
         <a:font script="Gujr" typeface="Shruti"/>
@@ -4074,7 +7023,7 @@
         <a:font script="Geor" typeface="Sylfaen"/>
       </a:minorFont>
     </a:fontScheme>
-    <a:fmtScheme name="Office">
+    <a:fmtScheme name="Facet">
       <a:fillStyleLst>
         <a:solidFill>
           <a:schemeClr val="phClr"/>
@@ -4083,62 +7032,50 @@
           <a:gsLst>
             <a:gs pos="0">
               <a:schemeClr val="phClr">
-                <a:tint val="50000"/>
-                <a:satMod val="300000"/>
+                <a:tint val="65000"/>
+                <a:lumMod val="110000"/>
               </a:schemeClr>
             </a:gs>
-            <a:gs pos="35000">
+            <a:gs pos="88000">
               <a:schemeClr val="phClr">
-                <a:tint val="37000"/>
-                <a:satMod val="300000"/>
-              </a:schemeClr>
-            </a:gs>
-            <a:gs pos="100000">
-              <a:schemeClr val="phClr">
-                <a:tint val="15000"/>
-                <a:satMod val="350000"/>
+                <a:tint val="90000"/>
               </a:schemeClr>
             </a:gs>
           </a:gsLst>
-          <a:lin ang="16200000" scaled="1"/>
+          <a:lin ang="5400000" scaled="0"/>
         </a:gradFill>
         <a:gradFill rotWithShape="1">
           <a:gsLst>
             <a:gs pos="0">
               <a:schemeClr val="phClr">
-                <a:tint val="100000"/>
-                <a:shade val="100000"/>
-                <a:satMod val="130000"/>
+                <a:tint val="96000"/>
+                <a:lumMod val="100000"/>
               </a:schemeClr>
             </a:gs>
-            <a:gs pos="100000">
+            <a:gs pos="78000">
               <a:schemeClr val="phClr">
-                <a:tint val="50000"/>
-                <a:shade val="100000"/>
-                <a:satMod val="350000"/>
+                <a:shade val="94000"/>
+                <a:lumMod val="94000"/>
               </a:schemeClr>
             </a:gs>
           </a:gsLst>
-          <a:lin ang="16200000" scaled="0"/>
+          <a:lin ang="5400000" scaled="0"/>
         </a:gradFill>
       </a:fillStyleLst>
       <a:lnStyleLst>
-        <a:ln w="9525" cap="flat" cmpd="sng" algn="ctr">
-          <a:solidFill>
-            <a:schemeClr val="phClr">
-              <a:shade val="95000"/>
-              <a:satMod val="105000"/>
-            </a:schemeClr>
-          </a:solidFill>
-          <a:prstDash val="solid"/>
-        </a:ln>
-        <a:ln w="25400" cap="flat" cmpd="sng" algn="ctr">
+        <a:ln w="12700" cap="rnd" cmpd="sng" algn="ctr">
           <a:solidFill>
             <a:schemeClr val="phClr"/>
           </a:solidFill>
           <a:prstDash val="solid"/>
         </a:ln>
-        <a:ln w="38100" cap="flat" cmpd="sng" algn="ctr">
+        <a:ln w="19050" cap="rnd" cmpd="sng" algn="ctr">
+          <a:solidFill>
+            <a:schemeClr val="phClr"/>
+          </a:solidFill>
+          <a:prstDash val="solid"/>
+        </a:ln>
+        <a:ln w="25400" cap="rnd" cmpd="sng" algn="ctr">
           <a:solidFill>
             <a:schemeClr val="phClr"/>
           </a:solidFill>
@@ -4147,17 +7084,11 @@
       </a:lnStyleLst>
       <a:effectStyleLst>
         <a:effectStyle>
-          <a:effectLst>
-            <a:outerShdw blurRad="40000" dist="20000" dir="5400000" rotWithShape="0">
-              <a:srgbClr val="000000">
-                <a:alpha val="38000"/>
-              </a:srgbClr>
-            </a:outerShdw>
-          </a:effectLst>
+          <a:effectLst/>
         </a:effectStyle>
         <a:effectStyle>
           <a:effectLst>
-            <a:outerShdw blurRad="40000" dist="23000" dir="5400000" rotWithShape="0">
+            <a:outerShdw blurRad="38100" dist="25400" dir="5400000" rotWithShape="0">
               <a:srgbClr val="000000">
                 <a:alpha val="35000"/>
               </a:srgbClr>
@@ -4166,7 +7097,7 @@
         </a:effectStyle>
         <a:effectStyle>
           <a:effectLst>
-            <a:outerShdw blurRad="40000" dist="23000" dir="5400000" rotWithShape="0">
+            <a:outerShdw blurRad="50800" dist="38100" dir="5400000" rotWithShape="0">
               <a:srgbClr val="000000">
                 <a:alpha val="35000"/>
               </a:srgbClr>
@@ -4176,12 +7107,10 @@
             <a:camera prst="orthographicFront">
               <a:rot lat="0" lon="0" rev="0"/>
             </a:camera>
-            <a:lightRig rig="threePt" dir="t">
-              <a:rot lat="0" lon="0" rev="1200000"/>
-            </a:lightRig>
+            <a:lightRig rig="threePt" dir="tl"/>
           </a:scene3d>
-          <a:sp3d>
-            <a:bevelT w="63500" h="25400"/>
+          <a:sp3d prstMaterial="plastic">
+            <a:bevelT w="0" h="0"/>
           </a:sp3d>
         </a:effectStyle>
       </a:effectStyleLst>
@@ -4193,91 +7122,48 @@
           <a:gsLst>
             <a:gs pos="0">
               <a:schemeClr val="phClr">
-                <a:tint val="40000"/>
-                <a:satMod val="350000"/>
+                <a:tint val="90000"/>
+                <a:lumMod val="104000"/>
               </a:schemeClr>
             </a:gs>
-            <a:gs pos="40000">
+            <a:gs pos="94000">
               <a:schemeClr val="phClr">
-                <a:tint val="45000"/>
-                <a:shade val="99000"/>
-                <a:satMod val="350000"/>
-              </a:schemeClr>
-            </a:gs>
-            <a:gs pos="100000">
-              <a:schemeClr val="phClr">
-                <a:shade val="20000"/>
-                <a:satMod val="255000"/>
+                <a:shade val="96000"/>
+                <a:lumMod val="82000"/>
               </a:schemeClr>
             </a:gs>
           </a:gsLst>
-          <a:path path="circle">
-            <a:fillToRect l="50000" t="-80000" r="50000" b="180000"/>
-          </a:path>
+          <a:lin ang="5400000" scaled="0"/>
         </a:gradFill>
         <a:gradFill rotWithShape="1">
           <a:gsLst>
             <a:gs pos="0">
               <a:schemeClr val="phClr">
-                <a:tint val="80000"/>
-                <a:satMod val="300000"/>
+                <a:tint val="90000"/>
+                <a:lumMod val="110000"/>
               </a:schemeClr>
             </a:gs>
             <a:gs pos="100000">
               <a:schemeClr val="phClr">
-                <a:shade val="30000"/>
-                <a:satMod val="200000"/>
+                <a:shade val="94000"/>
+                <a:lumMod val="96000"/>
               </a:schemeClr>
             </a:gs>
           </a:gsLst>
           <a:path path="circle">
-            <a:fillToRect l="50000" t="50000" r="50000" b="50000"/>
+            <a:fillToRect l="50000" t="50000" r="100000" b="100000"/>
           </a:path>
         </a:gradFill>
       </a:bgFillStyleLst>
     </a:fmtScheme>
   </a:themeElements>
-  <a:objectDefaults>
-    <a:spDef>
-      <a:spPr/>
-      <a:bodyPr/>
-      <a:lstStyle/>
-      <a:style>
-        <a:lnRef idx="1">
-          <a:schemeClr val="accent1"/>
-        </a:lnRef>
-        <a:fillRef idx="3">
-          <a:schemeClr val="accent1"/>
-        </a:fillRef>
-        <a:effectRef idx="2">
-          <a:schemeClr val="accent1"/>
-        </a:effectRef>
-        <a:fontRef idx="minor">
-          <a:schemeClr val="lt1"/>
-        </a:fontRef>
-      </a:style>
-    </a:spDef>
-    <a:lnDef>
-      <a:spPr/>
-      <a:bodyPr/>
-      <a:lstStyle/>
-      <a:style>
-        <a:lnRef idx="2">
-          <a:schemeClr val="accent1"/>
-        </a:lnRef>
-        <a:fillRef idx="0">
-          <a:schemeClr val="accent1"/>
-        </a:fillRef>
-        <a:effectRef idx="1">
-          <a:schemeClr val="accent1"/>
-        </a:effectRef>
-        <a:fontRef idx="minor">
-          <a:schemeClr val="tx1"/>
-        </a:fontRef>
-      </a:style>
-    </a:lnDef>
-  </a:objectDefaults>
+  <a:objectDefaults/>
   <a:extraClrSchemeLst/>
+  <a:extLst>
+    <a:ext uri="{05A4C25C-085E-4340-85A3-A5531E510DB2}">
+      <thm15:themeFamily xmlns:thm15="http://schemas.microsoft.com/office/thememl/2012/main" name="Facet" id="{C0C680CD-088A-49FC-A102-D699147F32B2}" vid="{CFBC31BA-B70F-4F30-BCAA-4F3011E16C4D}"/>
+    </a:ext>
+  </a:extLst>
 </a:theme>
 </file>
 
